--- a/Reviews/Final Review/Final Oral Presentation.pptx
+++ b/Reviews/Final Review/Final Oral Presentation.pptx
@@ -5,7 +5,7 @@
     <p:sldMasterId id="2147483648" r:id="rId1"/>
   </p:sldMasterIdLst>
   <p:notesMasterIdLst>
-    <p:notesMasterId r:id="rId29"/>
+    <p:notesMasterId r:id="rId28"/>
   </p:notesMasterIdLst>
   <p:sldIdLst>
     <p:sldId id="263" r:id="rId2"/>
@@ -22,19 +22,18 @@
     <p:sldId id="332" r:id="rId13"/>
     <p:sldId id="334" r:id="rId14"/>
     <p:sldId id="335" r:id="rId15"/>
-    <p:sldId id="336" r:id="rId16"/>
-    <p:sldId id="337" r:id="rId17"/>
-    <p:sldId id="302" r:id="rId18"/>
-    <p:sldId id="338" r:id="rId19"/>
-    <p:sldId id="308" r:id="rId20"/>
-    <p:sldId id="307" r:id="rId21"/>
-    <p:sldId id="339" r:id="rId22"/>
-    <p:sldId id="297" r:id="rId23"/>
-    <p:sldId id="318" r:id="rId24"/>
-    <p:sldId id="261" r:id="rId25"/>
-    <p:sldId id="340" r:id="rId26"/>
-    <p:sldId id="341" r:id="rId27"/>
-    <p:sldId id="298" r:id="rId28"/>
+    <p:sldId id="337" r:id="rId16"/>
+    <p:sldId id="302" r:id="rId17"/>
+    <p:sldId id="338" r:id="rId18"/>
+    <p:sldId id="308" r:id="rId19"/>
+    <p:sldId id="307" r:id="rId20"/>
+    <p:sldId id="339" r:id="rId21"/>
+    <p:sldId id="297" r:id="rId22"/>
+    <p:sldId id="318" r:id="rId23"/>
+    <p:sldId id="261" r:id="rId24"/>
+    <p:sldId id="340" r:id="rId25"/>
+    <p:sldId id="341" r:id="rId26"/>
+    <p:sldId id="298" r:id="rId27"/>
   </p:sldIdLst>
   <p:sldSz cx="12192000" cy="6858000"/>
   <p:notesSz cx="6858000" cy="9144000"/>
@@ -12788,7 +12787,7 @@
               <a:pPr>
                 <a:defRPr/>
               </a:pPr>
-              <a:t>16-04-2020</a:t>
+              <a:t>21-04-2020</a:t>
             </a:fld>
             <a:endParaRPr lang="en-IN" altLang="en-US"/>
           </a:p>
@@ -13355,7 +13354,7 @@
               <a:pPr>
                 <a:defRPr/>
               </a:pPr>
-              <a:t>4/16/2020</a:t>
+              <a:t>4/21/2020</a:t>
             </a:fld>
             <a:endParaRPr lang="en-US" altLang="zh-CN"/>
           </a:p>
@@ -13571,7 +13570,7 @@
               <a:pPr>
                 <a:defRPr/>
               </a:pPr>
-              <a:t>4/16/2020</a:t>
+              <a:t>4/21/2020</a:t>
             </a:fld>
             <a:endParaRPr lang="en-US" altLang="zh-CN"/>
           </a:p>
@@ -13797,7 +13796,7 @@
               <a:pPr>
                 <a:defRPr/>
               </a:pPr>
-              <a:t>4/16/2020</a:t>
+              <a:t>4/21/2020</a:t>
             </a:fld>
             <a:endParaRPr lang="en-US" altLang="zh-CN"/>
           </a:p>
@@ -14013,7 +14012,7 @@
               <a:pPr>
                 <a:defRPr/>
               </a:pPr>
-              <a:t>4/16/2020</a:t>
+              <a:t>4/21/2020</a:t>
             </a:fld>
             <a:endParaRPr lang="en-US" altLang="zh-CN"/>
           </a:p>
@@ -14306,7 +14305,7 @@
               <a:pPr>
                 <a:defRPr/>
               </a:pPr>
-              <a:t>4/16/2020</a:t>
+              <a:t>4/21/2020</a:t>
             </a:fld>
             <a:endParaRPr lang="en-US" altLang="zh-CN"/>
           </a:p>
@@ -14583,7 +14582,7 @@
               <a:pPr>
                 <a:defRPr/>
               </a:pPr>
-              <a:t>4/16/2020</a:t>
+              <a:t>4/21/2020</a:t>
             </a:fld>
             <a:endParaRPr lang="en-US" altLang="zh-CN"/>
           </a:p>
@@ -14995,7 +14994,7 @@
               <a:pPr>
                 <a:defRPr/>
               </a:pPr>
-              <a:t>4/16/2020</a:t>
+              <a:t>4/21/2020</a:t>
             </a:fld>
             <a:endParaRPr lang="en-US" altLang="zh-CN"/>
           </a:p>
@@ -15160,7 +15159,7 @@
               <a:pPr>
                 <a:defRPr/>
               </a:pPr>
-              <a:t>4/16/2020</a:t>
+              <a:t>4/21/2020</a:t>
             </a:fld>
             <a:endParaRPr lang="en-US" altLang="zh-CN"/>
           </a:p>
@@ -15303,7 +15302,7 @@
               <a:pPr>
                 <a:defRPr/>
               </a:pPr>
-              <a:t>4/16/2020</a:t>
+              <a:t>4/21/2020</a:t>
             </a:fld>
             <a:endParaRPr lang="en-US" altLang="zh-CN"/>
           </a:p>
@@ -15626,7 +15625,7 @@
               <a:pPr>
                 <a:defRPr/>
               </a:pPr>
-              <a:t>4/16/2020</a:t>
+              <a:t>4/21/2020</a:t>
             </a:fld>
             <a:endParaRPr lang="en-US" altLang="zh-CN"/>
           </a:p>
@@ -15930,7 +15929,7 @@
               <a:pPr>
                 <a:defRPr/>
               </a:pPr>
-              <a:t>4/16/2020</a:t>
+              <a:t>4/21/2020</a:t>
             </a:fld>
             <a:endParaRPr lang="en-US" altLang="zh-CN"/>
           </a:p>
@@ -16254,7 +16253,7 @@
               <a:pPr>
                 <a:defRPr/>
               </a:pPr>
-              <a:t>4/16/2020</a:t>
+              <a:t>4/21/2020</a:t>
             </a:fld>
             <a:endParaRPr lang="en-US" altLang="zh-CN"/>
           </a:p>
@@ -17522,7 +17521,7 @@
                 </a:solidFill>
               </a:rPr>
               <a:pPr/>
-              <a:t>4/16/2020</a:t>
+              <a:t>4/21/2020</a:t>
             </a:fld>
             <a:endParaRPr lang="en-US" altLang="zh-CN">
               <a:solidFill>
@@ -18410,7 +18409,7 @@
               <a:rPr lang="en-US" altLang="zh-CN" dirty="0">
                 <a:ea typeface="SimSun" panose="02010600030101010101" pitchFamily="2" charset="-122"/>
               </a:rPr>
-              <a:t>With the help of cross-validation prevented overfitting and underfitting.</a:t>
+              <a:t>With the help of cross-validation, we had prevented overfitting and underfitting.</a:t>
             </a:r>
           </a:p>
           <a:p>
@@ -18422,7 +18421,7 @@
               <a:rPr lang="en-US" altLang="zh-CN" dirty="0">
                 <a:ea typeface="SimSun" panose="02010600030101010101" pitchFamily="2" charset="-122"/>
               </a:rPr>
-              <a:t>Finally trained network will be tested with testing data.</a:t>
+              <a:t>Finally trained network had been tested with testing data.</a:t>
             </a:r>
           </a:p>
         </p:txBody>
@@ -18573,7 +18572,7 @@
                 </a:solidFill>
               </a:rPr>
               <a:pPr/>
-              <a:t>4/16/2020</a:t>
+              <a:t>4/21/2020</a:t>
             </a:fld>
             <a:endParaRPr lang="en-US" altLang="zh-CN">
               <a:solidFill>
@@ -18839,7 +18838,7 @@
             </a:pPr>
             <a:r>
               <a:rPr lang="en-US" dirty="0"/>
-              <a:t>Network will extract the features itself, we can’t identify what features it was extracted. We can judge the classification based on boundary conditions.</a:t>
+              <a:t>The network will extract the features itself. We can’t identify what features it will extract. We can judge the classification based on the boundary conditions.</a:t>
             </a:r>
           </a:p>
           <a:p>
@@ -18849,8 +18848,24 @@
             </a:pPr>
             <a:r>
               <a:rPr lang="en-US" dirty="0"/>
-              <a:t>For fault location identification we can’t derives any model apart from impedance measurement and travelling wave method models. </a:t>
+              <a:t>For fault location identification, we can’t derive any model apart from impedance measurement and travelling wave method models. </a:t>
             </a:r>
+          </a:p>
+          <a:p>
+            <a:pPr>
+              <a:buFont typeface="Wingdings" panose="05000000000000000000" pitchFamily="2" charset="2"/>
+              <a:buChar char="Ø"/>
+            </a:pPr>
+            <a:r>
+              <a:rPr lang="en-US" dirty="0"/>
+              <a:t>For 3-𝜙 balanced faults the phase voltages and currents are balanced and the phase shift will be 120 degrees.</a:t>
+            </a:r>
+          </a:p>
+          <a:p>
+            <a:pPr>
+              <a:buFont typeface="Wingdings" panose="05000000000000000000" pitchFamily="2" charset="2"/>
+              <a:buChar char="Ø"/>
+            </a:pPr>
             <a:endParaRPr lang="en-IN" dirty="0"/>
           </a:p>
         </p:txBody>
@@ -18884,7 +18899,7 @@
               <a:pPr>
                 <a:defRPr/>
               </a:pPr>
-              <a:t>4/16/2020</a:t>
+              <a:t>4/21/2020</a:t>
             </a:fld>
             <a:endParaRPr lang="en-US" altLang="zh-CN"/>
           </a:p>
@@ -19029,10 +19044,6 @@
             <a:pPr marL="0" indent="0">
               <a:buNone/>
             </a:pPr>
-            <a:r>
-              <a:rPr lang="en-US" dirty="0"/>
-              <a:t>Assume that fault occurred in phase a</a:t>
-            </a:r>
             <a:endParaRPr lang="en-IN" dirty="0"/>
           </a:p>
         </p:txBody>
@@ -19066,7 +19077,7 @@
               <a:pPr>
                 <a:defRPr/>
               </a:pPr>
-              <a:t>4/16/2020</a:t>
+              <a:t>4/21/2020</a:t>
             </a:fld>
             <a:endParaRPr lang="en-US" altLang="zh-CN"/>
           </a:p>
@@ -19157,8 +19168,8 @@
         </p:nvSpPr>
         <p:spPr>
           <a:xfrm>
-            <a:off x="2495661" y="5617177"/>
-            <a:ext cx="2565864" cy="369332"/>
+            <a:off x="2495660" y="5617177"/>
+            <a:ext cx="2743199" cy="369332"/>
           </a:xfrm>
           <a:prstGeom prst="rect">
             <a:avLst/>
@@ -19179,8 +19190,8 @@
           </a:p>
         </p:txBody>
       </p:sp>
-      <mc:AlternateContent xmlns:mc="http://schemas.openxmlformats.org/markup-compatibility/2006">
-        <mc:Choice xmlns:a14="http://schemas.microsoft.com/office/drawing/2010/main" Requires="a14">
+      <mc:AlternateContent xmlns:mc="http://schemas.openxmlformats.org/markup-compatibility/2006" xmlns:a14="http://schemas.microsoft.com/office/drawing/2010/main">
+        <mc:Choice Requires="a14">
           <p:sp>
             <p:nvSpPr>
               <p:cNvPr id="14" name="TextBox 13">
@@ -19215,6 +19226,7 @@
                 </a:r>
               </a:p>
               <a:p>
+                <a:pPr/>
                 <a14:m>
                   <m:oMathPara xmlns:m="http://schemas.openxmlformats.org/officeDocument/2006/math">
                     <m:oMathParaPr>
@@ -19224,7 +19236,7 @@
                       <m:sSub>
                         <m:sSubPr>
                           <m:ctrlPr>
-                            <a:rPr lang="en-IN" sz="2800" dirty="0" smtClean="0">
+                            <a:rPr lang="en-IN" sz="2800" i="1" dirty="0" smtClean="0">
                               <a:latin typeface="Cambria Math" panose="02040503050406030204" pitchFamily="18" charset="0"/>
                             </a:rPr>
                           </m:ctrlPr>
@@ -19308,6 +19320,7 @@
                 <a:endParaRPr lang="en-US" sz="2800" dirty="0"/>
               </a:p>
               <a:p>
+                <a:pPr/>
                 <a14:m>
                   <m:oMathPara xmlns:m="http://schemas.openxmlformats.org/officeDocument/2006/math">
                     <m:oMathParaPr>
@@ -19317,7 +19330,7 @@
                       <m:sSub>
                         <m:sSubPr>
                           <m:ctrlPr>
-                            <a:rPr lang="en-IN" sz="2800" dirty="0" smtClean="0">
+                            <a:rPr lang="en-IN" sz="2800" i="1" dirty="0" smtClean="0">
                               <a:latin typeface="Cambria Math" panose="02040503050406030204" pitchFamily="18" charset="0"/>
                             </a:rPr>
                           </m:ctrlPr>
@@ -19384,7 +19397,7 @@
             </p:txBody>
           </p:sp>
         </mc:Choice>
-        <mc:Fallback>
+        <mc:Fallback xmlns="">
           <p:sp>
             <p:nvSpPr>
               <p:cNvPr id="14" name="TextBox 13">
@@ -19601,7 +19614,7 @@
               <a:pPr>
                 <a:defRPr/>
               </a:pPr>
-              <a:t>4/16/2020</a:t>
+              <a:t>4/21/2020</a:t>
             </a:fld>
             <a:endParaRPr lang="en-US" altLang="zh-CN"/>
           </a:p>
@@ -19678,8 +19691,8 @@
           </a:p>
         </p:txBody>
       </p:sp>
-      <mc:AlternateContent xmlns:mc="http://schemas.openxmlformats.org/markup-compatibility/2006">
-        <mc:Choice xmlns:a14="http://schemas.microsoft.com/office/drawing/2010/main" Requires="a14">
+      <mc:AlternateContent xmlns:mc="http://schemas.openxmlformats.org/markup-compatibility/2006" xmlns:a14="http://schemas.microsoft.com/office/drawing/2010/main">
+        <mc:Choice Requires="a14">
           <p:sp>
             <p:nvSpPr>
               <p:cNvPr id="14" name="TextBox 13">
@@ -19714,6 +19727,7 @@
                 </a:r>
               </a:p>
               <a:p>
+                <a:pPr/>
                 <a14:m>
                   <m:oMathPara xmlns:m="http://schemas.openxmlformats.org/officeDocument/2006/math">
                     <m:oMathParaPr>
@@ -19723,7 +19737,7 @@
                       <m:sSub>
                         <m:sSubPr>
                           <m:ctrlPr>
-                            <a:rPr lang="en-US" sz="2800" dirty="0" smtClean="0">
+                            <a:rPr lang="en-US" sz="2800" i="1" dirty="0" smtClean="0">
                               <a:latin typeface="Cambria Math" panose="02040503050406030204" pitchFamily="18" charset="0"/>
                             </a:rPr>
                           </m:ctrlPr>
@@ -19838,6 +19852,7 @@
                 <a:endParaRPr lang="en-US" sz="2800" dirty="0"/>
               </a:p>
               <a:p>
+                <a:pPr/>
                 <a14:m>
                   <m:oMathPara xmlns:m="http://schemas.openxmlformats.org/officeDocument/2006/math">
                     <m:oMathParaPr>
@@ -19847,7 +19862,7 @@
                       <m:sSub>
                         <m:sSubPr>
                           <m:ctrlPr>
-                            <a:rPr lang="en-US" sz="2800" dirty="0" smtClean="0">
+                            <a:rPr lang="en-US" sz="2800" i="1" dirty="0" smtClean="0">
                               <a:latin typeface="Cambria Math" panose="02040503050406030204" pitchFamily="18" charset="0"/>
                             </a:rPr>
                           </m:ctrlPr>
@@ -19914,7 +19929,7 @@
             </p:txBody>
           </p:sp>
         </mc:Choice>
-        <mc:Fallback>
+        <mc:Fallback xmlns="">
           <p:sp>
             <p:nvSpPr>
               <p:cNvPr id="14" name="TextBox 13">
@@ -20167,7 +20182,7 @@
               <a:pPr>
                 <a:defRPr/>
               </a:pPr>
-              <a:t>4/16/2020</a:t>
+              <a:t>4/21/2020</a:t>
             </a:fld>
             <a:endParaRPr lang="en-US" altLang="zh-CN"/>
           </a:p>
@@ -20244,8 +20259,8 @@
           </a:p>
         </p:txBody>
       </p:sp>
-      <mc:AlternateContent xmlns:mc="http://schemas.openxmlformats.org/markup-compatibility/2006">
-        <mc:Choice xmlns:a14="http://schemas.microsoft.com/office/drawing/2010/main" Requires="a14">
+      <mc:AlternateContent xmlns:mc="http://schemas.openxmlformats.org/markup-compatibility/2006" xmlns:a14="http://schemas.microsoft.com/office/drawing/2010/main">
+        <mc:Choice Requires="a14">
           <p:sp>
             <p:nvSpPr>
               <p:cNvPr id="14" name="TextBox 13">
@@ -20280,6 +20295,7 @@
                 </a:r>
               </a:p>
               <a:p>
+                <a:pPr/>
                 <a14:m>
                   <m:oMathPara xmlns:m="http://schemas.openxmlformats.org/officeDocument/2006/math">
                     <m:oMathParaPr>
@@ -20289,7 +20305,7 @@
                       <m:sSub>
                         <m:sSubPr>
                           <m:ctrlPr>
-                            <a:rPr lang="en-US" sz="2800" dirty="0" smtClean="0">
+                            <a:rPr lang="en-US" sz="2800" i="1" dirty="0" smtClean="0">
                               <a:latin typeface="Cambria Math" panose="02040503050406030204" pitchFamily="18" charset="0"/>
                             </a:rPr>
                           </m:ctrlPr>
@@ -20446,6 +20462,7 @@
                 <a:endParaRPr lang="en-US" sz="2800" dirty="0"/>
               </a:p>
               <a:p>
+                <a:pPr/>
                 <a14:m>
                   <m:oMathPara xmlns:m="http://schemas.openxmlformats.org/officeDocument/2006/math">
                     <m:oMathParaPr>
@@ -20455,7 +20472,7 @@
                       <m:sSub>
                         <m:sSubPr>
                           <m:ctrlPr>
-                            <a:rPr lang="en-US" sz="2800" dirty="0" smtClean="0">
+                            <a:rPr lang="en-US" sz="2800" i="1" dirty="0" smtClean="0">
                               <a:latin typeface="Cambria Math" panose="02040503050406030204" pitchFamily="18" charset="0"/>
                             </a:rPr>
                           </m:ctrlPr>
@@ -20608,7 +20625,7 @@
             </p:txBody>
           </p:sp>
         </mc:Choice>
-        <mc:Fallback>
+        <mc:Fallback xmlns="">
           <p:sp>
             <p:nvSpPr>
               <p:cNvPr id="14" name="TextBox 13">
@@ -20754,373 +20771,6 @@
           <a:chExt cx="0" cy="0"/>
         </a:xfrm>
       </p:grpSpPr>
-      <mc:AlternateContent xmlns:mc="http://schemas.openxmlformats.org/markup-compatibility/2006">
-        <mc:Choice xmlns:a14="http://schemas.microsoft.com/office/drawing/2010/main" Requires="a14">
-          <p:sp>
-            <p:nvSpPr>
-              <p:cNvPr id="2" name="Title 1">
-                <a:extLst>
-                  <a:ext uri="{FF2B5EF4-FFF2-40B4-BE49-F238E27FC236}">
-                    <a16:creationId xmlns:a16="http://schemas.microsoft.com/office/drawing/2014/main" id="{0B85EA68-6708-47B2-ADE4-A1E076D75035}"/>
-                  </a:ext>
-                </a:extLst>
-              </p:cNvPr>
-              <p:cNvSpPr>
-                <a:spLocks noGrp="1"/>
-              </p:cNvSpPr>
-              <p:nvPr>
-                <p:ph type="title"/>
-              </p:nvPr>
-            </p:nvSpPr>
-            <p:spPr>
-              <a:xfrm>
-                <a:off x="838200" y="365126"/>
-                <a:ext cx="10515600" cy="632402"/>
-              </a:xfrm>
-            </p:spPr>
-            <p:txBody>
-              <a:bodyPr/>
-              <a:lstStyle/>
-              <a:p>
-                <a:pPr algn="ctr"/>
-                <a:r>
-                  <a:rPr lang="en-US" sz="3200" b="1" dirty="0">
-                    <a:solidFill>
-                      <a:srgbClr val="FF3399"/>
-                    </a:solidFill>
-                    <a:latin typeface="+mn-lt"/>
-                  </a:rPr>
-                  <a:t>Balanced 3-</a:t>
-                </a:r>
-                <a14:m>
-                  <m:oMath xmlns:m="http://schemas.openxmlformats.org/officeDocument/2006/math">
-                    <m:r>
-                      <a:rPr lang="en-US" sz="3200" b="1" i="1" smtClean="0">
-                        <a:solidFill>
-                          <a:srgbClr val="FF3399"/>
-                        </a:solidFill>
-                        <a:latin typeface="Cambria Math" panose="02040503050406030204" pitchFamily="18" charset="0"/>
-                      </a:rPr>
-                      <m:t>𝜙</m:t>
-                    </m:r>
-                  </m:oMath>
-                </a14:m>
-                <a:r>
-                  <a:rPr lang="en-US" sz="3200" b="1" dirty="0">
-                    <a:solidFill>
-                      <a:srgbClr val="FF3399"/>
-                    </a:solidFill>
-                    <a:latin typeface="+mn-lt"/>
-                  </a:rPr>
-                  <a:t> fault</a:t>
-                </a:r>
-                <a:endParaRPr lang="en-IN" sz="3200" b="1" dirty="0">
-                  <a:solidFill>
-                    <a:srgbClr val="FF3399"/>
-                  </a:solidFill>
-                  <a:latin typeface="+mn-lt"/>
-                </a:endParaRPr>
-              </a:p>
-            </p:txBody>
-          </p:sp>
-        </mc:Choice>
-        <mc:Fallback>
-          <p:sp>
-            <p:nvSpPr>
-              <p:cNvPr id="2" name="Title 1">
-                <a:extLst>
-                  <a:ext uri="{FF2B5EF4-FFF2-40B4-BE49-F238E27FC236}">
-                    <a16:creationId xmlns:a16="http://schemas.microsoft.com/office/drawing/2014/main" id="{0B85EA68-6708-47B2-ADE4-A1E076D75035}"/>
-                  </a:ext>
-                </a:extLst>
-              </p:cNvPr>
-              <p:cNvSpPr>
-                <a:spLocks noGrp="1" noRot="1" noChangeAspect="1" noMove="1" noResize="1" noEditPoints="1" noAdjustHandles="1" noChangeArrowheads="1" noChangeShapeType="1" noTextEdit="1"/>
-              </p:cNvSpPr>
-              <p:nvPr>
-                <p:ph type="title"/>
-              </p:nvPr>
-            </p:nvSpPr>
-            <p:spPr>
-              <a:xfrm>
-                <a:off x="838200" y="365126"/>
-                <a:ext cx="10515600" cy="632402"/>
-              </a:xfrm>
-              <a:blipFill>
-                <a:blip r:embed="rId2"/>
-                <a:stretch>
-                  <a:fillRect t="-11538" b="-24038"/>
-                </a:stretch>
-              </a:blipFill>
-            </p:spPr>
-            <p:txBody>
-              <a:bodyPr/>
-              <a:lstStyle/>
-              <a:p>
-                <a:r>
-                  <a:rPr lang="en-IN">
-                    <a:noFill/>
-                  </a:rPr>
-                  <a:t> </a:t>
-                </a:r>
-              </a:p>
-            </p:txBody>
-          </p:sp>
-        </mc:Fallback>
-      </mc:AlternateContent>
-      <mc:AlternateContent xmlns:mc="http://schemas.openxmlformats.org/markup-compatibility/2006">
-        <mc:Choice xmlns:a14="http://schemas.microsoft.com/office/drawing/2010/main" Requires="a14">
-          <p:sp>
-            <p:nvSpPr>
-              <p:cNvPr id="3" name="Content Placeholder 2">
-                <a:extLst>
-                  <a:ext uri="{FF2B5EF4-FFF2-40B4-BE49-F238E27FC236}">
-                    <a16:creationId xmlns:a16="http://schemas.microsoft.com/office/drawing/2014/main" id="{5AA8A71A-1BCE-45EF-8B30-E9BC9DBBE5DB}"/>
-                  </a:ext>
-                </a:extLst>
-              </p:cNvPr>
-              <p:cNvSpPr>
-                <a:spLocks noGrp="1"/>
-              </p:cNvSpPr>
-              <p:nvPr>
-                <p:ph idx="1"/>
-              </p:nvPr>
-            </p:nvSpPr>
-            <p:spPr>
-              <a:xfrm>
-                <a:off x="838200" y="997528"/>
-                <a:ext cx="10515600" cy="5179435"/>
-              </a:xfrm>
-            </p:spPr>
-            <p:txBody>
-              <a:bodyPr/>
-              <a:lstStyle/>
-              <a:p>
-                <a:pPr marL="0" indent="0">
-                  <a:buNone/>
-                </a:pPr>
-                <a:endParaRPr lang="en-US" dirty="0"/>
-              </a:p>
-              <a:p>
-                <a:pPr marL="0" indent="0">
-                  <a:buNone/>
-                </a:pPr>
-                <a:r>
-                  <a:rPr lang="en-US" dirty="0"/>
-                  <a:t>For 3-</a:t>
-                </a:r>
-                <a14:m>
-                  <m:oMath xmlns:m="http://schemas.openxmlformats.org/officeDocument/2006/math">
-                    <m:r>
-                      <a:rPr lang="en-US" b="1" i="1" smtClean="0">
-                        <a:solidFill>
-                          <a:schemeClr val="tx1"/>
-                        </a:solidFill>
-                        <a:latin typeface="Cambria Math" panose="02040503050406030204" pitchFamily="18" charset="0"/>
-                      </a:rPr>
-                      <m:t>𝜙</m:t>
-                    </m:r>
-                  </m:oMath>
-                </a14:m>
-                <a:r>
-                  <a:rPr lang="en-IN" dirty="0"/>
-                  <a:t> balanced faults the phase voltages and currents are balanced and the phase shift will be 120 degrees.</a:t>
-                </a:r>
-              </a:p>
-              <a:p>
-                <a:pPr marL="0" indent="0">
-                  <a:buNone/>
-                </a:pPr>
-                <a:endParaRPr lang="en-IN" dirty="0"/>
-              </a:p>
-              <a:p>
-                <a:pPr marL="0" indent="0">
-                  <a:buNone/>
-                </a:pPr>
-                <a:endParaRPr lang="en-IN" dirty="0"/>
-              </a:p>
-            </p:txBody>
-          </p:sp>
-        </mc:Choice>
-        <mc:Fallback>
-          <p:sp>
-            <p:nvSpPr>
-              <p:cNvPr id="3" name="Content Placeholder 2">
-                <a:extLst>
-                  <a:ext uri="{FF2B5EF4-FFF2-40B4-BE49-F238E27FC236}">
-                    <a16:creationId xmlns:a16="http://schemas.microsoft.com/office/drawing/2014/main" id="{5AA8A71A-1BCE-45EF-8B30-E9BC9DBBE5DB}"/>
-                  </a:ext>
-                </a:extLst>
-              </p:cNvPr>
-              <p:cNvSpPr>
-                <a:spLocks noGrp="1" noRot="1" noChangeAspect="1" noMove="1" noResize="1" noEditPoints="1" noAdjustHandles="1" noChangeArrowheads="1" noChangeShapeType="1" noTextEdit="1"/>
-              </p:cNvSpPr>
-              <p:nvPr>
-                <p:ph idx="1"/>
-              </p:nvPr>
-            </p:nvSpPr>
-            <p:spPr>
-              <a:xfrm>
-                <a:off x="838200" y="997528"/>
-                <a:ext cx="10515600" cy="5179435"/>
-              </a:xfrm>
-              <a:blipFill>
-                <a:blip r:embed="rId3"/>
-                <a:stretch>
-                  <a:fillRect l="-1217"/>
-                </a:stretch>
-              </a:blipFill>
-            </p:spPr>
-            <p:txBody>
-              <a:bodyPr/>
-              <a:lstStyle/>
-              <a:p>
-                <a:r>
-                  <a:rPr lang="en-IN">
-                    <a:noFill/>
-                  </a:rPr>
-                  <a:t> </a:t>
-                </a:r>
-              </a:p>
-            </p:txBody>
-          </p:sp>
-        </mc:Fallback>
-      </mc:AlternateContent>
-      <p:sp>
-        <p:nvSpPr>
-          <p:cNvPr id="4" name="Date Placeholder 3">
-            <a:extLst>
-              <a:ext uri="{FF2B5EF4-FFF2-40B4-BE49-F238E27FC236}">
-                <a16:creationId xmlns:a16="http://schemas.microsoft.com/office/drawing/2014/main" id="{C797B8D8-88AA-4FCF-ABEE-2DD928AE4B51}"/>
-              </a:ext>
-            </a:extLst>
-          </p:cNvPr>
-          <p:cNvSpPr>
-            <a:spLocks noGrp="1"/>
-          </p:cNvSpPr>
-          <p:nvPr>
-            <p:ph type="dt" sz="half" idx="10"/>
-          </p:nvPr>
-        </p:nvSpPr>
-        <p:spPr/>
-        <p:txBody>
-          <a:bodyPr/>
-          <a:lstStyle/>
-          <a:p>
-            <a:pPr>
-              <a:defRPr/>
-            </a:pPr>
-            <a:fld id="{9C6A1097-56CD-4E50-99CE-432F871236A9}" type="datetime1">
-              <a:rPr lang="en-US" altLang="zh-CN" smtClean="0"/>
-              <a:pPr>
-                <a:defRPr/>
-              </a:pPr>
-              <a:t>4/16/2020</a:t>
-            </a:fld>
-            <a:endParaRPr lang="en-US" altLang="zh-CN"/>
-          </a:p>
-        </p:txBody>
-      </p:sp>
-      <p:sp>
-        <p:nvSpPr>
-          <p:cNvPr id="5" name="Slide Number Placeholder 4">
-            <a:extLst>
-              <a:ext uri="{FF2B5EF4-FFF2-40B4-BE49-F238E27FC236}">
-                <a16:creationId xmlns:a16="http://schemas.microsoft.com/office/drawing/2014/main" id="{9FC626CA-00DC-4399-A919-CFE644EAC4E3}"/>
-              </a:ext>
-            </a:extLst>
-          </p:cNvPr>
-          <p:cNvSpPr>
-            <a:spLocks noGrp="1"/>
-          </p:cNvSpPr>
-          <p:nvPr>
-            <p:ph type="sldNum" sz="quarter" idx="12"/>
-          </p:nvPr>
-        </p:nvSpPr>
-        <p:spPr/>
-        <p:txBody>
-          <a:bodyPr/>
-          <a:lstStyle/>
-          <a:p>
-            <a:pPr>
-              <a:defRPr/>
-            </a:pPr>
-            <a:fld id="{EC81898F-AE93-409D-9713-51B33197EDB6}" type="slidenum">
-              <a:rPr lang="en-US" altLang="zh-CN" smtClean="0"/>
-              <a:pPr>
-                <a:defRPr/>
-              </a:pPr>
-              <a:t>15</a:t>
-            </a:fld>
-            <a:endParaRPr lang="en-US" altLang="zh-CN"/>
-          </a:p>
-        </p:txBody>
-      </p:sp>
-      <p:sp>
-        <p:nvSpPr>
-          <p:cNvPr id="9" name="TextBox 8">
-            <a:extLst>
-              <a:ext uri="{FF2B5EF4-FFF2-40B4-BE49-F238E27FC236}">
-                <a16:creationId xmlns:a16="http://schemas.microsoft.com/office/drawing/2014/main" id="{CD3E0CD1-4AED-45E3-8578-C1967479966B}"/>
-              </a:ext>
-            </a:extLst>
-          </p:cNvPr>
-          <p:cNvSpPr txBox="1"/>
-          <p:nvPr/>
-        </p:nvSpPr>
-        <p:spPr>
-          <a:xfrm>
-            <a:off x="10777491" y="186431"/>
-            <a:ext cx="883062" cy="369332"/>
-          </a:xfrm>
-          <a:prstGeom prst="rect">
-            <a:avLst/>
-          </a:prstGeom>
-          <a:noFill/>
-        </p:spPr>
-        <p:txBody>
-          <a:bodyPr wrap="square" rtlCol="0">
-            <a:spAutoFit/>
-          </a:bodyPr>
-          <a:lstStyle/>
-          <a:p>
-            <a:r>
-              <a:rPr lang="en-IN" dirty="0"/>
-              <a:t>(Cont..)</a:t>
-            </a:r>
-          </a:p>
-        </p:txBody>
-      </p:sp>
-    </p:spTree>
-    <p:extLst>
-      <p:ext uri="{BB962C8B-B14F-4D97-AF65-F5344CB8AC3E}">
-        <p14:creationId xmlns:p14="http://schemas.microsoft.com/office/powerpoint/2010/main" val="2686454169"/>
-      </p:ext>
-    </p:extLst>
-  </p:cSld>
-  <p:clrMapOvr>
-    <a:masterClrMapping/>
-  </p:clrMapOvr>
-</p:sld>
-</file>
-
-<file path=ppt/slides/slide16.xml><?xml version="1.0" encoding="utf-8"?>
-<p:sld xmlns:a="http://schemas.openxmlformats.org/drawingml/2006/main" xmlns:r="http://schemas.openxmlformats.org/officeDocument/2006/relationships" xmlns:p="http://schemas.openxmlformats.org/presentationml/2006/main">
-  <p:cSld>
-    <p:spTree>
-      <p:nvGrpSpPr>
-        <p:cNvPr id="1" name=""/>
-        <p:cNvGrpSpPr/>
-        <p:nvPr/>
-      </p:nvGrpSpPr>
-      <p:grpSpPr>
-        <a:xfrm>
-          <a:off x="0" y="0"/>
-          <a:ext cx="0" cy="0"/>
-          <a:chOff x="0" y="0"/>
-          <a:chExt cx="0" cy="0"/>
-        </a:xfrm>
-      </p:grpSpPr>
       <p:graphicFrame>
         <p:nvGraphicFramePr>
           <p:cNvPr id="7" name="Content Placeholder 6">
@@ -21137,7 +20787,7 @@
             <p:ph idx="1"/>
             <p:extLst>
               <p:ext uri="{D42A27DB-BD31-4B8C-83A1-F6EECF244321}">
-                <p14:modId xmlns:p14="http://schemas.microsoft.com/office/powerpoint/2010/main" val="1159246774"/>
+                <p14:modId xmlns:p14="http://schemas.microsoft.com/office/powerpoint/2010/main" val="481750628"/>
               </p:ext>
             </p:extLst>
           </p:nvPr>
@@ -21274,8 +20924,11 @@
                       <a:r>
                         <a:rPr lang="en-US" sz="2400" dirty="0">
                           <a:effectLst/>
+                          <a:latin typeface="Times New Roman" panose="02020603050405020304" pitchFamily="18" charset="0"/>
+                          <a:ea typeface="Calibri" panose="020F0502020204030204" pitchFamily="34" charset="0"/>
+                          <a:cs typeface="Times New Roman" panose="02020603050405020304" pitchFamily="18" charset="0"/>
                         </a:rPr>
-                        <a:t>Values</a:t>
+                        <a:t>Description </a:t>
                       </a:r>
                       <a:endParaRPr lang="en-IN" sz="2400" dirty="0">
                         <a:effectLst/>
@@ -21655,7 +21308,7 @@
               <a:pPr>
                 <a:defRPr/>
               </a:pPr>
-              <a:t>4/16/2020</a:t>
+              <a:t>4/21/2020</a:t>
             </a:fld>
             <a:endParaRPr lang="en-US" altLang="zh-CN"/>
           </a:p>
@@ -21690,7 +21343,7 @@
               <a:pPr>
                 <a:defRPr/>
               </a:pPr>
-              <a:t>16</a:t>
+              <a:t>15</a:t>
             </a:fld>
             <a:endParaRPr lang="en-US" altLang="zh-CN"/>
           </a:p>
@@ -21752,7 +21405,7 @@
 </p:sld>
 </file>
 
-<file path=ppt/slides/slide17.xml><?xml version="1.0" encoding="utf-8"?>
+<file path=ppt/slides/slide16.xml><?xml version="1.0" encoding="utf-8"?>
 <p:sld xmlns:a="http://schemas.openxmlformats.org/drawingml/2006/main" xmlns:r="http://schemas.openxmlformats.org/officeDocument/2006/relationships" xmlns:p="http://schemas.openxmlformats.org/presentationml/2006/main">
   <p:cSld>
     <p:spTree>
@@ -21915,7 +21568,7 @@
                 </a:solidFill>
               </a:rPr>
               <a:pPr/>
-              <a:t>4/16/2020</a:t>
+              <a:t>4/21/2020</a:t>
             </a:fld>
             <a:endParaRPr lang="en-US" altLang="zh-CN">
               <a:solidFill>
@@ -22071,7 +21724,7 @@
                 </a:solidFill>
               </a:rPr>
               <a:pPr/>
-              <a:t>17</a:t>
+              <a:t>16</a:t>
             </a:fld>
             <a:endParaRPr lang="en-US" altLang="zh-CN">
               <a:solidFill>
@@ -23027,7 +22680,7 @@
 </p:sld>
 </file>
 
-<file path=ppt/slides/slide18.xml><?xml version="1.0" encoding="utf-8"?>
+<file path=ppt/slides/slide17.xml><?xml version="1.0" encoding="utf-8"?>
 <p:sld xmlns:a="http://schemas.openxmlformats.org/drawingml/2006/main" xmlns:r="http://schemas.openxmlformats.org/officeDocument/2006/relationships" xmlns:p="http://schemas.openxmlformats.org/presentationml/2006/main">
   <p:cSld>
     <p:spTree>
@@ -23190,7 +22843,7 @@
                 </a:solidFill>
               </a:rPr>
               <a:pPr/>
-              <a:t>4/16/2020</a:t>
+              <a:t>4/21/2020</a:t>
             </a:fld>
             <a:endParaRPr lang="en-US" altLang="zh-CN">
               <a:solidFill>
@@ -23346,7 +22999,7 @@
                 </a:solidFill>
               </a:rPr>
               <a:pPr/>
-              <a:t>18</a:t>
+              <a:t>17</a:t>
             </a:fld>
             <a:endParaRPr lang="en-US" altLang="zh-CN">
               <a:solidFill>
@@ -24307,7 +23960,7 @@
 </p:sld>
 </file>
 
-<file path=ppt/slides/slide19.xml><?xml version="1.0" encoding="utf-8"?>
+<file path=ppt/slides/slide18.xml><?xml version="1.0" encoding="utf-8"?>
 <p:sld xmlns:a="http://schemas.openxmlformats.org/drawingml/2006/main" xmlns:r="http://schemas.openxmlformats.org/officeDocument/2006/relationships" xmlns:p="http://schemas.openxmlformats.org/presentationml/2006/main">
   <p:cSld>
     <p:spTree>
@@ -24470,7 +24123,7 @@
                 </a:solidFill>
               </a:rPr>
               <a:pPr/>
-              <a:t>4/16/2020</a:t>
+              <a:t>4/21/2020</a:t>
             </a:fld>
             <a:endParaRPr lang="en-US" altLang="zh-CN">
               <a:solidFill>
@@ -24626,172 +24279,13 @@
                 </a:solidFill>
               </a:rPr>
               <a:pPr/>
-              <a:t>19</a:t>
+              <a:t>18</a:t>
             </a:fld>
             <a:endParaRPr lang="en-US" altLang="zh-CN">
               <a:solidFill>
                 <a:srgbClr val="898989"/>
               </a:solidFill>
             </a:endParaRPr>
-          </a:p>
-        </p:txBody>
-      </p:sp>
-      <p:sp>
-        <p:nvSpPr>
-          <p:cNvPr id="15535" name="TextBox 8">
-            <a:extLst>
-              <a:ext uri="{FF2B5EF4-FFF2-40B4-BE49-F238E27FC236}">
-                <a16:creationId xmlns:a16="http://schemas.microsoft.com/office/drawing/2014/main" id="{0A15BB8A-E025-4CBC-ADB6-1BD16DCB5CF9}"/>
-              </a:ext>
-            </a:extLst>
-          </p:cNvPr>
-          <p:cNvSpPr txBox="1">
-            <a:spLocks noChangeArrowheads="1"/>
-          </p:cNvSpPr>
-          <p:nvPr/>
-        </p:nvSpPr>
-        <p:spPr bwMode="auto">
-          <a:xfrm>
-            <a:off x="4710113" y="5219700"/>
-            <a:ext cx="2959015" cy="369332"/>
-          </a:xfrm>
-          <a:prstGeom prst="rect">
-            <a:avLst/>
-          </a:prstGeom>
-          <a:noFill/>
-          <a:ln>
-            <a:noFill/>
-          </a:ln>
-          <a:extLst>
-            <a:ext uri="{909E8E84-426E-40DD-AFC4-6F175D3DCCD1}">
-              <a14:hiddenFill xmlns:a14="http://schemas.microsoft.com/office/drawing/2010/main">
-                <a:solidFill>
-                  <a:srgbClr val="FFFFFF"/>
-                </a:solidFill>
-              </a14:hiddenFill>
-            </a:ext>
-            <a:ext uri="{91240B29-F687-4F45-9708-019B960494DF}">
-              <a14:hiddenLine xmlns:a14="http://schemas.microsoft.com/office/drawing/2010/main" w="9525">
-                <a:solidFill>
-                  <a:srgbClr val="000000"/>
-                </a:solidFill>
-                <a:miter lim="800000"/>
-                <a:headEnd/>
-                <a:tailEnd/>
-              </a14:hiddenLine>
-            </a:ext>
-          </a:extLst>
-        </p:spPr>
-        <p:txBody>
-          <a:bodyPr wrap="none">
-            <a:spAutoFit/>
-          </a:bodyPr>
-          <a:lstStyle>
-            <a:lvl1pPr>
-              <a:defRPr>
-                <a:solidFill>
-                  <a:schemeClr val="tx1"/>
-                </a:solidFill>
-                <a:latin typeface="Calibri" panose="020F0502020204030204" pitchFamily="34" charset="0"/>
-              </a:defRPr>
-            </a:lvl1pPr>
-            <a:lvl2pPr marL="742950" indent="-285750">
-              <a:defRPr>
-                <a:solidFill>
-                  <a:schemeClr val="tx1"/>
-                </a:solidFill>
-                <a:latin typeface="Calibri" panose="020F0502020204030204" pitchFamily="34" charset="0"/>
-              </a:defRPr>
-            </a:lvl2pPr>
-            <a:lvl3pPr marL="1143000" indent="-228600">
-              <a:defRPr>
-                <a:solidFill>
-                  <a:schemeClr val="tx1"/>
-                </a:solidFill>
-                <a:latin typeface="Calibri" panose="020F0502020204030204" pitchFamily="34" charset="0"/>
-              </a:defRPr>
-            </a:lvl3pPr>
-            <a:lvl4pPr marL="1600200" indent="-228600">
-              <a:defRPr>
-                <a:solidFill>
-                  <a:schemeClr val="tx1"/>
-                </a:solidFill>
-                <a:latin typeface="Calibri" panose="020F0502020204030204" pitchFamily="34" charset="0"/>
-              </a:defRPr>
-            </a:lvl4pPr>
-            <a:lvl5pPr marL="2057400" indent="-228600">
-              <a:defRPr>
-                <a:solidFill>
-                  <a:schemeClr val="tx1"/>
-                </a:solidFill>
-                <a:latin typeface="Calibri" panose="020F0502020204030204" pitchFamily="34" charset="0"/>
-              </a:defRPr>
-            </a:lvl5pPr>
-            <a:lvl6pPr marL="2514600" indent="-228600" eaLnBrk="0" fontAlgn="base" hangingPunct="0">
-              <a:spcBef>
-                <a:spcPct val="0"/>
-              </a:spcBef>
-              <a:spcAft>
-                <a:spcPct val="0"/>
-              </a:spcAft>
-              <a:defRPr>
-                <a:solidFill>
-                  <a:schemeClr val="tx1"/>
-                </a:solidFill>
-                <a:latin typeface="Calibri" panose="020F0502020204030204" pitchFamily="34" charset="0"/>
-              </a:defRPr>
-            </a:lvl6pPr>
-            <a:lvl7pPr marL="2971800" indent="-228600" eaLnBrk="0" fontAlgn="base" hangingPunct="0">
-              <a:spcBef>
-                <a:spcPct val="0"/>
-              </a:spcBef>
-              <a:spcAft>
-                <a:spcPct val="0"/>
-              </a:spcAft>
-              <a:defRPr>
-                <a:solidFill>
-                  <a:schemeClr val="tx1"/>
-                </a:solidFill>
-                <a:latin typeface="Calibri" panose="020F0502020204030204" pitchFamily="34" charset="0"/>
-              </a:defRPr>
-            </a:lvl7pPr>
-            <a:lvl8pPr marL="3429000" indent="-228600" eaLnBrk="0" fontAlgn="base" hangingPunct="0">
-              <a:spcBef>
-                <a:spcPct val="0"/>
-              </a:spcBef>
-              <a:spcAft>
-                <a:spcPct val="0"/>
-              </a:spcAft>
-              <a:defRPr>
-                <a:solidFill>
-                  <a:schemeClr val="tx1"/>
-                </a:solidFill>
-                <a:latin typeface="Calibri" panose="020F0502020204030204" pitchFamily="34" charset="0"/>
-              </a:defRPr>
-            </a:lvl8pPr>
-            <a:lvl9pPr marL="3886200" indent="-228600" eaLnBrk="0" fontAlgn="base" hangingPunct="0">
-              <a:spcBef>
-                <a:spcPct val="0"/>
-              </a:spcBef>
-              <a:spcAft>
-                <a:spcPct val="0"/>
-              </a:spcAft>
-              <a:defRPr>
-                <a:solidFill>
-                  <a:schemeClr val="tx1"/>
-                </a:solidFill>
-                <a:latin typeface="Calibri" panose="020F0502020204030204" pitchFamily="34" charset="0"/>
-              </a:defRPr>
-            </a:lvl9pPr>
-          </a:lstStyle>
-          <a:p>
-            <a:pPr eaLnBrk="1" hangingPunct="1"/>
-            <a:r>
-              <a:rPr lang="en-US" altLang="zh-CN" dirty="0">
-                <a:ea typeface="SimSun" panose="02010600030101010101" pitchFamily="2" charset="-122"/>
-              </a:rPr>
-              <a:t>Table. 4. Classification Results</a:t>
-            </a:r>
           </a:p>
         </p:txBody>
       </p:sp>
@@ -24810,14 +24304,14 @@
           <p:nvPr>
             <p:extLst>
               <p:ext uri="{D42A27DB-BD31-4B8C-83A1-F6EECF244321}">
-                <p14:modId xmlns:p14="http://schemas.microsoft.com/office/powerpoint/2010/main" val="2817415867"/>
+                <p14:modId xmlns:p14="http://schemas.microsoft.com/office/powerpoint/2010/main" val="872873631"/>
               </p:ext>
             </p:extLst>
           </p:nvPr>
         </p:nvGraphicFramePr>
         <p:xfrm>
-          <a:off x="838200" y="443345"/>
-          <a:ext cx="10515600" cy="4599656"/>
+          <a:off x="838200" y="766644"/>
+          <a:ext cx="10515600" cy="4973472"/>
         </p:xfrm>
         <a:graphic>
           <a:graphicData uri="http://schemas.openxmlformats.org/drawingml/2006/table">
@@ -24912,6 +24406,261 @@
                 </a:gridCol>
               </a:tblGrid>
               <a:tr h="373816">
+                <a:tc gridSpan="12">
+                  <a:txBody>
+                    <a:bodyPr/>
+                    <a:lstStyle/>
+                    <a:p>
+                      <a:pPr algn="ctr" eaLnBrk="1" hangingPunct="1"/>
+                      <a:r>
+                        <a:rPr lang="en-US" altLang="zh-CN" sz="2400" dirty="0">
+                          <a:ea typeface="SimSun" panose="02010600030101010101" pitchFamily="2" charset="-122"/>
+                        </a:rPr>
+                        <a:t>Table. 4. Fault classification Results</a:t>
+                      </a:r>
+                      <a:endParaRPr lang="en-US" altLang="zh-CN" sz="2000" dirty="0">
+                        <a:ea typeface="SimSun" panose="02010600030101010101" pitchFamily="2" charset="-122"/>
+                      </a:endParaRPr>
+                    </a:p>
+                  </a:txBody>
+                  <a:tcPr marL="0" marR="0" marT="0" marB="0" anchor="ctr">
+                    <a:lnL w="12700" cap="flat" cmpd="sng" algn="ctr">
+                      <a:noFill/>
+                      <a:prstDash val="solid"/>
+                      <a:round/>
+                      <a:headEnd type="none" w="med" len="med"/>
+                      <a:tailEnd type="none" w="med" len="med"/>
+                    </a:lnL>
+                    <a:lnR w="12700" cap="flat" cmpd="sng" algn="ctr">
+                      <a:noFill/>
+                      <a:prstDash val="solid"/>
+                      <a:round/>
+                      <a:headEnd type="none" w="med" len="med"/>
+                      <a:tailEnd type="none" w="med" len="med"/>
+                    </a:lnR>
+                    <a:lnT w="12700" cap="flat" cmpd="sng" algn="ctr">
+                      <a:noFill/>
+                      <a:prstDash val="solid"/>
+                      <a:round/>
+                      <a:headEnd type="none" w="med" len="med"/>
+                      <a:tailEnd type="none" w="med" len="med"/>
+                    </a:lnT>
+                    <a:lnB w="12700" cap="flat" cmpd="sng" algn="ctr">
+                      <a:solidFill>
+                        <a:schemeClr val="tx1"/>
+                      </a:solidFill>
+                      <a:prstDash val="solid"/>
+                      <a:round/>
+                      <a:headEnd type="none" w="med" len="med"/>
+                      <a:tailEnd type="none" w="med" len="med"/>
+                    </a:lnB>
+                    <a:lnTlToBr w="12700" cmpd="sng">
+                      <a:noFill/>
+                      <a:prstDash val="solid"/>
+                    </a:lnTlToBr>
+                    <a:lnBlToTr w="12700" cmpd="sng">
+                      <a:noFill/>
+                      <a:prstDash val="solid"/>
+                    </a:lnBlToTr>
+                    <a:solidFill>
+                      <a:schemeClr val="bg1"/>
+                    </a:solidFill>
+                  </a:tcPr>
+                </a:tc>
+                <a:tc hMerge="1">
+                  <a:txBody>
+                    <a:bodyPr/>
+                    <a:lstStyle/>
+                    <a:p>
+                      <a:pPr algn="ctr" fontAlgn="b"/>
+                      <a:endParaRPr lang="en-IN" sz="1600" b="0" i="1" u="none" strike="noStrike" dirty="0">
+                        <a:solidFill>
+                          <a:srgbClr val="000000"/>
+                        </a:solidFill>
+                        <a:effectLst/>
+                        <a:latin typeface="Calibri" panose="020F0502020204030204" pitchFamily="34" charset="0"/>
+                      </a:endParaRPr>
+                    </a:p>
+                  </a:txBody>
+                  <a:tcPr marL="0" marR="0" marT="0" marB="0" anchor="ctr"/>
+                </a:tc>
+                <a:tc hMerge="1">
+                  <a:txBody>
+                    <a:bodyPr/>
+                    <a:lstStyle/>
+                    <a:p>
+                      <a:pPr algn="ctr" fontAlgn="b"/>
+                      <a:endParaRPr lang="en-IN" sz="1600" b="0" i="1" u="none" strike="noStrike" dirty="0">
+                        <a:solidFill>
+                          <a:srgbClr val="000000"/>
+                        </a:solidFill>
+                        <a:effectLst/>
+                        <a:latin typeface="Calibri" panose="020F0502020204030204" pitchFamily="34" charset="0"/>
+                      </a:endParaRPr>
+                    </a:p>
+                  </a:txBody>
+                  <a:tcPr marL="0" marR="0" marT="0" marB="0" anchor="ctr"/>
+                </a:tc>
+                <a:tc hMerge="1">
+                  <a:txBody>
+                    <a:bodyPr/>
+                    <a:lstStyle/>
+                    <a:p>
+                      <a:pPr algn="ctr" fontAlgn="b"/>
+                      <a:endParaRPr lang="en-IN" sz="1600" b="0" i="1" u="none" strike="noStrike">
+                        <a:solidFill>
+                          <a:srgbClr val="000000"/>
+                        </a:solidFill>
+                        <a:effectLst/>
+                        <a:latin typeface="Calibri" panose="020F0502020204030204" pitchFamily="34" charset="0"/>
+                      </a:endParaRPr>
+                    </a:p>
+                  </a:txBody>
+                  <a:tcPr marL="0" marR="0" marT="0" marB="0" anchor="ctr"/>
+                </a:tc>
+                <a:tc hMerge="1">
+                  <a:txBody>
+                    <a:bodyPr/>
+                    <a:lstStyle/>
+                    <a:p>
+                      <a:pPr algn="ctr" fontAlgn="b"/>
+                      <a:endParaRPr lang="en-IN" sz="1600" b="0" i="1" u="none" strike="noStrike">
+                        <a:solidFill>
+                          <a:srgbClr val="000000"/>
+                        </a:solidFill>
+                        <a:effectLst/>
+                        <a:latin typeface="Calibri" panose="020F0502020204030204" pitchFamily="34" charset="0"/>
+                      </a:endParaRPr>
+                    </a:p>
+                  </a:txBody>
+                  <a:tcPr marL="0" marR="0" marT="0" marB="0" anchor="ctr"/>
+                </a:tc>
+                <a:tc hMerge="1">
+                  <a:txBody>
+                    <a:bodyPr/>
+                    <a:lstStyle/>
+                    <a:p>
+                      <a:pPr algn="ctr" fontAlgn="b"/>
+                      <a:endParaRPr lang="en-IN" sz="1600" b="0" i="1" u="none" strike="noStrike">
+                        <a:solidFill>
+                          <a:srgbClr val="000000"/>
+                        </a:solidFill>
+                        <a:effectLst/>
+                        <a:latin typeface="Calibri" panose="020F0502020204030204" pitchFamily="34" charset="0"/>
+                      </a:endParaRPr>
+                    </a:p>
+                  </a:txBody>
+                  <a:tcPr marL="0" marR="0" marT="0" marB="0" anchor="ctr"/>
+                </a:tc>
+                <a:tc hMerge="1">
+                  <a:txBody>
+                    <a:bodyPr/>
+                    <a:lstStyle/>
+                    <a:p>
+                      <a:pPr algn="ctr" fontAlgn="b"/>
+                      <a:endParaRPr lang="en-IN" sz="1600" b="0" i="1" u="none" strike="noStrike">
+                        <a:solidFill>
+                          <a:srgbClr val="000000"/>
+                        </a:solidFill>
+                        <a:effectLst/>
+                        <a:latin typeface="Calibri" panose="020F0502020204030204" pitchFamily="34" charset="0"/>
+                      </a:endParaRPr>
+                    </a:p>
+                  </a:txBody>
+                  <a:tcPr marL="0" marR="0" marT="0" marB="0" anchor="ctr"/>
+                </a:tc>
+                <a:tc hMerge="1">
+                  <a:txBody>
+                    <a:bodyPr/>
+                    <a:lstStyle/>
+                    <a:p>
+                      <a:pPr algn="ctr" fontAlgn="b"/>
+                      <a:endParaRPr lang="en-IN" sz="1600" b="0" i="1" u="none" strike="noStrike">
+                        <a:solidFill>
+                          <a:srgbClr val="000000"/>
+                        </a:solidFill>
+                        <a:effectLst/>
+                        <a:latin typeface="Calibri" panose="020F0502020204030204" pitchFamily="34" charset="0"/>
+                      </a:endParaRPr>
+                    </a:p>
+                  </a:txBody>
+                  <a:tcPr marL="0" marR="0" marT="0" marB="0" anchor="ctr"/>
+                </a:tc>
+                <a:tc hMerge="1">
+                  <a:txBody>
+                    <a:bodyPr/>
+                    <a:lstStyle/>
+                    <a:p>
+                      <a:pPr algn="ctr" fontAlgn="b"/>
+                      <a:endParaRPr lang="en-IN" sz="1600" b="0" i="1" u="none" strike="noStrike">
+                        <a:solidFill>
+                          <a:srgbClr val="000000"/>
+                        </a:solidFill>
+                        <a:effectLst/>
+                        <a:latin typeface="Calibri" panose="020F0502020204030204" pitchFamily="34" charset="0"/>
+                      </a:endParaRPr>
+                    </a:p>
+                  </a:txBody>
+                  <a:tcPr marL="0" marR="0" marT="0" marB="0" anchor="ctr"/>
+                </a:tc>
+                <a:tc hMerge="1">
+                  <a:txBody>
+                    <a:bodyPr/>
+                    <a:lstStyle/>
+                    <a:p>
+                      <a:pPr algn="ctr" fontAlgn="b"/>
+                      <a:endParaRPr lang="en-IN" sz="1600" b="0" i="1" u="none" strike="noStrike">
+                        <a:solidFill>
+                          <a:srgbClr val="000000"/>
+                        </a:solidFill>
+                        <a:effectLst/>
+                        <a:latin typeface="Calibri" panose="020F0502020204030204" pitchFamily="34" charset="0"/>
+                      </a:endParaRPr>
+                    </a:p>
+                  </a:txBody>
+                  <a:tcPr marL="0" marR="0" marT="0" marB="0" anchor="ctr"/>
+                </a:tc>
+                <a:tc hMerge="1">
+                  <a:txBody>
+                    <a:bodyPr/>
+                    <a:lstStyle/>
+                    <a:p>
+                      <a:pPr algn="ctr" fontAlgn="b"/>
+                      <a:endParaRPr lang="en-IN" sz="1600" b="0" i="1" u="none" strike="noStrike">
+                        <a:solidFill>
+                          <a:srgbClr val="000000"/>
+                        </a:solidFill>
+                        <a:effectLst/>
+                        <a:latin typeface="Calibri" panose="020F0502020204030204" pitchFamily="34" charset="0"/>
+                      </a:endParaRPr>
+                    </a:p>
+                  </a:txBody>
+                  <a:tcPr marL="0" marR="0" marT="0" marB="0" anchor="ctr"/>
+                </a:tc>
+                <a:tc hMerge="1">
+                  <a:txBody>
+                    <a:bodyPr/>
+                    <a:lstStyle/>
+                    <a:p>
+                      <a:pPr algn="ctr" fontAlgn="b"/>
+                      <a:endParaRPr lang="en-IN" sz="1600" b="0" i="1" u="none" strike="noStrike" dirty="0">
+                        <a:solidFill>
+                          <a:srgbClr val="000000"/>
+                        </a:solidFill>
+                        <a:effectLst/>
+                        <a:latin typeface="Calibri" panose="020F0502020204030204" pitchFamily="34" charset="0"/>
+                      </a:endParaRPr>
+                    </a:p>
+                  </a:txBody>
+                  <a:tcPr marL="0" marR="0" marT="0" marB="0" anchor="ctr"/>
+                </a:tc>
+                <a:extLst>
+                  <a:ext uri="{0D108BD9-81ED-4DB2-BD59-A6C34878D82A}">
+                    <a16:rowId xmlns:a16="http://schemas.microsoft.com/office/drawing/2014/main" val="1176154072"/>
+                  </a:ext>
+                </a:extLst>
+              </a:tr>
+              <a:tr h="373816">
                 <a:tc>
                   <a:txBody>
                     <a:bodyPr/>
@@ -24933,7 +24682,17 @@
                       </a:endParaRPr>
                     </a:p>
                   </a:txBody>
-                  <a:tcPr marL="0" marR="0" marT="0" marB="0" anchor="ctr"/>
+                  <a:tcPr marL="0" marR="0" marT="0" marB="0" anchor="ctr">
+                    <a:lnT w="12700" cap="flat" cmpd="sng" algn="ctr">
+                      <a:solidFill>
+                        <a:schemeClr val="tx1"/>
+                      </a:solidFill>
+                      <a:prstDash val="solid"/>
+                      <a:round/>
+                      <a:headEnd type="none" w="med" len="med"/>
+                      <a:tailEnd type="none" w="med" len="med"/>
+                    </a:lnT>
+                  </a:tcPr>
                 </a:tc>
                 <a:tc>
                   <a:txBody>
@@ -24956,7 +24715,17 @@
                       </a:endParaRPr>
                     </a:p>
                   </a:txBody>
-                  <a:tcPr marL="0" marR="0" marT="0" marB="0" anchor="ctr"/>
+                  <a:tcPr marL="0" marR="0" marT="0" marB="0" anchor="ctr">
+                    <a:lnT w="12700" cap="flat" cmpd="sng" algn="ctr">
+                      <a:solidFill>
+                        <a:schemeClr val="tx1"/>
+                      </a:solidFill>
+                      <a:prstDash val="solid"/>
+                      <a:round/>
+                      <a:headEnd type="none" w="med" len="med"/>
+                      <a:tailEnd type="none" w="med" len="med"/>
+                    </a:lnT>
+                  </a:tcPr>
                 </a:tc>
                 <a:tc>
                   <a:txBody>
@@ -24965,12 +24734,12 @@
                     <a:p>
                       <a:pPr algn="ctr" fontAlgn="b"/>
                       <a:r>
-                        <a:rPr lang="en-IN" sz="1600" u="none" strike="noStrike">
+                        <a:rPr lang="en-IN" sz="1600" u="none" strike="noStrike" dirty="0">
                           <a:effectLst/>
                         </a:rPr>
                         <a:t>AG</a:t>
                       </a:r>
-                      <a:endParaRPr lang="en-IN" sz="1600" b="0" i="1" u="none" strike="noStrike">
+                      <a:endParaRPr lang="en-IN" sz="1600" b="0" i="1" u="none" strike="noStrike" dirty="0">
                         <a:solidFill>
                           <a:srgbClr val="000000"/>
                         </a:solidFill>
@@ -24979,7 +24748,17 @@
                       </a:endParaRPr>
                     </a:p>
                   </a:txBody>
-                  <a:tcPr marL="0" marR="0" marT="0" marB="0" anchor="ctr"/>
+                  <a:tcPr marL="0" marR="0" marT="0" marB="0" anchor="ctr">
+                    <a:lnT w="12700" cap="flat" cmpd="sng" algn="ctr">
+                      <a:solidFill>
+                        <a:schemeClr val="tx1"/>
+                      </a:solidFill>
+                      <a:prstDash val="solid"/>
+                      <a:round/>
+                      <a:headEnd type="none" w="med" len="med"/>
+                      <a:tailEnd type="none" w="med" len="med"/>
+                    </a:lnT>
+                  </a:tcPr>
                 </a:tc>
                 <a:tc>
                   <a:txBody>
@@ -25002,7 +24781,17 @@
                       </a:endParaRPr>
                     </a:p>
                   </a:txBody>
-                  <a:tcPr marL="0" marR="0" marT="0" marB="0" anchor="ctr"/>
+                  <a:tcPr marL="0" marR="0" marT="0" marB="0" anchor="ctr">
+                    <a:lnT w="12700" cap="flat" cmpd="sng" algn="ctr">
+                      <a:solidFill>
+                        <a:schemeClr val="tx1"/>
+                      </a:solidFill>
+                      <a:prstDash val="solid"/>
+                      <a:round/>
+                      <a:headEnd type="none" w="med" len="med"/>
+                      <a:tailEnd type="none" w="med" len="med"/>
+                    </a:lnT>
+                  </a:tcPr>
                 </a:tc>
                 <a:tc>
                   <a:txBody>
@@ -25025,7 +24814,17 @@
                       </a:endParaRPr>
                     </a:p>
                   </a:txBody>
-                  <a:tcPr marL="0" marR="0" marT="0" marB="0" anchor="ctr"/>
+                  <a:tcPr marL="0" marR="0" marT="0" marB="0" anchor="ctr">
+                    <a:lnT w="12700" cap="flat" cmpd="sng" algn="ctr">
+                      <a:solidFill>
+                        <a:schemeClr val="tx1"/>
+                      </a:solidFill>
+                      <a:prstDash val="solid"/>
+                      <a:round/>
+                      <a:headEnd type="none" w="med" len="med"/>
+                      <a:tailEnd type="none" w="med" len="med"/>
+                    </a:lnT>
+                  </a:tcPr>
                 </a:tc>
                 <a:tc>
                   <a:txBody>
@@ -25048,7 +24847,17 @@
                       </a:endParaRPr>
                     </a:p>
                   </a:txBody>
-                  <a:tcPr marL="0" marR="0" marT="0" marB="0" anchor="ctr"/>
+                  <a:tcPr marL="0" marR="0" marT="0" marB="0" anchor="ctr">
+                    <a:lnT w="12700" cap="flat" cmpd="sng" algn="ctr">
+                      <a:solidFill>
+                        <a:schemeClr val="tx1"/>
+                      </a:solidFill>
+                      <a:prstDash val="solid"/>
+                      <a:round/>
+                      <a:headEnd type="none" w="med" len="med"/>
+                      <a:tailEnd type="none" w="med" len="med"/>
+                    </a:lnT>
+                  </a:tcPr>
                 </a:tc>
                 <a:tc>
                   <a:txBody>
@@ -25071,7 +24880,17 @@
                       </a:endParaRPr>
                     </a:p>
                   </a:txBody>
-                  <a:tcPr marL="0" marR="0" marT="0" marB="0" anchor="ctr"/>
+                  <a:tcPr marL="0" marR="0" marT="0" marB="0" anchor="ctr">
+                    <a:lnT w="12700" cap="flat" cmpd="sng" algn="ctr">
+                      <a:solidFill>
+                        <a:schemeClr val="tx1"/>
+                      </a:solidFill>
+                      <a:prstDash val="solid"/>
+                      <a:round/>
+                      <a:headEnd type="none" w="med" len="med"/>
+                      <a:tailEnd type="none" w="med" len="med"/>
+                    </a:lnT>
+                  </a:tcPr>
                 </a:tc>
                 <a:tc>
                   <a:txBody>
@@ -25094,7 +24913,17 @@
                       </a:endParaRPr>
                     </a:p>
                   </a:txBody>
-                  <a:tcPr marL="0" marR="0" marT="0" marB="0" anchor="ctr"/>
+                  <a:tcPr marL="0" marR="0" marT="0" marB="0" anchor="ctr">
+                    <a:lnT w="12700" cap="flat" cmpd="sng" algn="ctr">
+                      <a:solidFill>
+                        <a:schemeClr val="tx1"/>
+                      </a:solidFill>
+                      <a:prstDash val="solid"/>
+                      <a:round/>
+                      <a:headEnd type="none" w="med" len="med"/>
+                      <a:tailEnd type="none" w="med" len="med"/>
+                    </a:lnT>
+                  </a:tcPr>
                 </a:tc>
                 <a:tc>
                   <a:txBody>
@@ -25103,12 +24932,12 @@
                     <a:p>
                       <a:pPr algn="ctr" fontAlgn="b"/>
                       <a:r>
-                        <a:rPr lang="en-IN" sz="1600" u="none" strike="noStrike">
+                        <a:rPr lang="en-IN" sz="1600" u="none" strike="noStrike" dirty="0">
                           <a:effectLst/>
                         </a:rPr>
                         <a:t>ABG</a:t>
                       </a:r>
-                      <a:endParaRPr lang="en-IN" sz="1600" b="0" i="1" u="none" strike="noStrike">
+                      <a:endParaRPr lang="en-IN" sz="1600" b="0" i="1" u="none" strike="noStrike" dirty="0">
                         <a:solidFill>
                           <a:srgbClr val="000000"/>
                         </a:solidFill>
@@ -25117,7 +24946,17 @@
                       </a:endParaRPr>
                     </a:p>
                   </a:txBody>
-                  <a:tcPr marL="0" marR="0" marT="0" marB="0" anchor="ctr"/>
+                  <a:tcPr marL="0" marR="0" marT="0" marB="0" anchor="ctr">
+                    <a:lnT w="12700" cap="flat" cmpd="sng" algn="ctr">
+                      <a:solidFill>
+                        <a:schemeClr val="tx1"/>
+                      </a:solidFill>
+                      <a:prstDash val="solid"/>
+                      <a:round/>
+                      <a:headEnd type="none" w="med" len="med"/>
+                      <a:tailEnd type="none" w="med" len="med"/>
+                    </a:lnT>
+                  </a:tcPr>
                 </a:tc>
                 <a:tc>
                   <a:txBody>
@@ -25140,7 +24979,17 @@
                       </a:endParaRPr>
                     </a:p>
                   </a:txBody>
-                  <a:tcPr marL="0" marR="0" marT="0" marB="0" anchor="ctr"/>
+                  <a:tcPr marL="0" marR="0" marT="0" marB="0" anchor="ctr">
+                    <a:lnT w="12700" cap="flat" cmpd="sng" algn="ctr">
+                      <a:solidFill>
+                        <a:schemeClr val="tx1"/>
+                      </a:solidFill>
+                      <a:prstDash val="solid"/>
+                      <a:round/>
+                      <a:headEnd type="none" w="med" len="med"/>
+                      <a:tailEnd type="none" w="med" len="med"/>
+                    </a:lnT>
+                  </a:tcPr>
                 </a:tc>
                 <a:tc>
                   <a:txBody>
@@ -25163,7 +25012,17 @@
                       </a:endParaRPr>
                     </a:p>
                   </a:txBody>
-                  <a:tcPr marL="0" marR="0" marT="0" marB="0" anchor="ctr"/>
+                  <a:tcPr marL="0" marR="0" marT="0" marB="0" anchor="ctr">
+                    <a:lnT w="12700" cap="flat" cmpd="sng" algn="ctr">
+                      <a:solidFill>
+                        <a:schemeClr val="tx1"/>
+                      </a:solidFill>
+                      <a:prstDash val="solid"/>
+                      <a:round/>
+                      <a:headEnd type="none" w="med" len="med"/>
+                      <a:tailEnd type="none" w="med" len="med"/>
+                    </a:lnT>
+                  </a:tcPr>
                 </a:tc>
                 <a:tc>
                   <a:txBody>
@@ -25172,12 +25031,12 @@
                     <a:p>
                       <a:pPr algn="ctr" fontAlgn="b"/>
                       <a:r>
-                        <a:rPr lang="en-IN" sz="1600" u="none" strike="noStrike">
+                        <a:rPr lang="en-IN" sz="1600" u="none" strike="noStrike" dirty="0">
                           <a:effectLst/>
                         </a:rPr>
                         <a:t>ABC</a:t>
                       </a:r>
-                      <a:endParaRPr lang="en-IN" sz="1600" b="0" i="1" u="none" strike="noStrike">
+                      <a:endParaRPr lang="en-IN" sz="1600" b="0" i="1" u="none" strike="noStrike" dirty="0">
                         <a:solidFill>
                           <a:srgbClr val="000000"/>
                         </a:solidFill>
@@ -25186,7 +25045,17 @@
                       </a:endParaRPr>
                     </a:p>
                   </a:txBody>
-                  <a:tcPr marL="0" marR="0" marT="0" marB="0" anchor="ctr"/>
+                  <a:tcPr marL="0" marR="0" marT="0" marB="0" anchor="ctr">
+                    <a:lnT w="12700" cap="flat" cmpd="sng" algn="ctr">
+                      <a:solidFill>
+                        <a:schemeClr val="tx1"/>
+                      </a:solidFill>
+                      <a:prstDash val="solid"/>
+                      <a:round/>
+                      <a:headEnd type="none" w="med" len="med"/>
+                      <a:tailEnd type="none" w="med" len="med"/>
+                    </a:lnT>
+                  </a:tcPr>
                 </a:tc>
                 <a:extLst>
                   <a:ext uri="{0D108BD9-81ED-4DB2-BD59-A6C34878D82A}">
@@ -25279,12 +25148,12 @@
                     <a:p>
                       <a:pPr algn="ctr" fontAlgn="b"/>
                       <a:r>
-                        <a:rPr lang="en-IN" sz="1600" u="none" strike="noStrike">
+                        <a:rPr lang="en-IN" sz="1600" u="none" strike="noStrike" dirty="0">
                           <a:effectLst/>
                         </a:rPr>
                         <a:t>0</a:t>
                       </a:r>
-                      <a:endParaRPr lang="en-IN" sz="1600" b="0" i="0" u="none" strike="noStrike">
+                      <a:endParaRPr lang="en-IN" sz="1600" b="0" i="0" u="none" strike="noStrike" dirty="0">
                         <a:solidFill>
                           <a:srgbClr val="000000"/>
                         </a:solidFill>
@@ -25987,12 +25856,12 @@
                     <a:p>
                       <a:pPr algn="ctr" fontAlgn="b"/>
                       <a:r>
-                        <a:rPr lang="en-IN" sz="1600" u="none" strike="noStrike">
+                        <a:rPr lang="en-IN" sz="1600" u="none" strike="noStrike" dirty="0">
                           <a:effectLst/>
                         </a:rPr>
                         <a:t>0</a:t>
                       </a:r>
-                      <a:endParaRPr lang="en-IN" sz="1600" b="0" i="0" u="none" strike="noStrike">
+                      <a:endParaRPr lang="en-IN" sz="1600" b="0" i="0" u="none" strike="noStrike" dirty="0">
                         <a:solidFill>
                           <a:srgbClr val="000000"/>
                         </a:solidFill>
@@ -26968,12 +26837,12 @@
                     <a:p>
                       <a:pPr algn="ctr" fontAlgn="b"/>
                       <a:r>
-                        <a:rPr lang="en-IN" sz="1600" u="none" strike="noStrike">
+                        <a:rPr lang="en-IN" sz="1600" u="none" strike="noStrike" dirty="0">
                           <a:effectLst/>
                         </a:rPr>
                         <a:t>0</a:t>
                       </a:r>
-                      <a:endParaRPr lang="en-IN" sz="1600" b="0" i="0" u="none" strike="noStrike">
+                      <a:endParaRPr lang="en-IN" sz="1600" b="0" i="0" u="none" strike="noStrike" dirty="0">
                         <a:solidFill>
                           <a:srgbClr val="000000"/>
                         </a:solidFill>
@@ -27895,12 +27764,12 @@
                     <a:p>
                       <a:pPr algn="ctr" fontAlgn="b"/>
                       <a:r>
-                        <a:rPr lang="en-IN" sz="1600" u="none" strike="noStrike">
+                        <a:rPr lang="en-IN" sz="1600" u="none" strike="noStrike" dirty="0">
                           <a:effectLst/>
                         </a:rPr>
                         <a:t>0</a:t>
                       </a:r>
-                      <a:endParaRPr lang="en-IN" sz="1600" b="0" i="0" u="none" strike="noStrike">
+                      <a:endParaRPr lang="en-IN" sz="1600" b="0" i="0" u="none" strike="noStrike" dirty="0">
                         <a:solidFill>
                           <a:srgbClr val="000000"/>
                         </a:solidFill>
@@ -28838,722 +28707,7 @@
 </p:sld>
 </file>
 
-<file path=ppt/slides/slide2.xml><?xml version="1.0" encoding="utf-8"?>
-<p:sld xmlns:a="http://schemas.openxmlformats.org/drawingml/2006/main" xmlns:r="http://schemas.openxmlformats.org/officeDocument/2006/relationships" xmlns:p="http://schemas.openxmlformats.org/presentationml/2006/main">
-  <p:cSld>
-    <p:spTree>
-      <p:nvGrpSpPr>
-        <p:cNvPr id="1" name=""/>
-        <p:cNvGrpSpPr/>
-        <p:nvPr/>
-      </p:nvGrpSpPr>
-      <p:grpSpPr>
-        <a:xfrm>
-          <a:off x="0" y="0"/>
-          <a:ext cx="0" cy="0"/>
-          <a:chOff x="0" y="0"/>
-          <a:chExt cx="0" cy="0"/>
-        </a:xfrm>
-      </p:grpSpPr>
-      <p:sp>
-        <p:nvSpPr>
-          <p:cNvPr id="4098" name="Subtitle 4">
-            <a:extLst>
-              <a:ext uri="{FF2B5EF4-FFF2-40B4-BE49-F238E27FC236}">
-                <a16:creationId xmlns:a16="http://schemas.microsoft.com/office/drawing/2014/main" id="{ABE197E4-5096-4E67-B82F-49172E7C8AC3}"/>
-              </a:ext>
-            </a:extLst>
-          </p:cNvPr>
-          <p:cNvSpPr>
-            <a:spLocks noGrp="1" noChangeArrowheads="1"/>
-          </p:cNvSpPr>
-          <p:nvPr>
-            <p:ph sz="half" idx="1"/>
-          </p:nvPr>
-        </p:nvSpPr>
-        <p:spPr>
-          <a:xfrm>
-            <a:off x="755073" y="825644"/>
-            <a:ext cx="5181600" cy="5530705"/>
-          </a:xfrm>
-        </p:spPr>
-        <p:txBody>
-          <a:bodyPr/>
-          <a:lstStyle/>
-          <a:p>
-            <a:pPr marL="457200" indent="-457200" algn="l" eaLnBrk="1" hangingPunct="1">
-              <a:buFont typeface="Wingdings" panose="05000000000000000000" pitchFamily="2" charset="2"/>
-              <a:buChar char="Ø"/>
-            </a:pPr>
-            <a:r>
-              <a:rPr lang="en-IN" altLang="en-US" dirty="0"/>
-              <a:t>Objective</a:t>
-            </a:r>
-          </a:p>
-          <a:p>
-            <a:pPr marL="457200" indent="-457200" algn="l" eaLnBrk="1" hangingPunct="1">
-              <a:buFont typeface="Wingdings" panose="05000000000000000000" pitchFamily="2" charset="2"/>
-              <a:buChar char="Ø"/>
-            </a:pPr>
-            <a:r>
-              <a:rPr lang="en-IN" altLang="en-US" dirty="0"/>
-              <a:t>Introduction</a:t>
-            </a:r>
-            <a:endParaRPr lang="en-US" altLang="en-IN" dirty="0"/>
-          </a:p>
-          <a:p>
-            <a:pPr marL="457200" indent="-457200" algn="l" eaLnBrk="1" hangingPunct="1">
-              <a:buFont typeface="Wingdings" panose="05000000000000000000" pitchFamily="2" charset="2"/>
-              <a:buChar char="Ø"/>
-            </a:pPr>
-            <a:r>
-              <a:rPr lang="en-US" altLang="en-US" dirty="0"/>
-              <a:t>Problem Identification</a:t>
-            </a:r>
-            <a:endParaRPr lang="en-IN" altLang="en-US" dirty="0"/>
-          </a:p>
-          <a:p>
-            <a:pPr marL="457200" indent="-457200" algn="l" eaLnBrk="1" hangingPunct="1">
-              <a:buFont typeface="Wingdings" panose="05000000000000000000" pitchFamily="2" charset="2"/>
-              <a:buChar char="Ø"/>
-            </a:pPr>
-            <a:r>
-              <a:rPr lang="en-IN" altLang="en-US" dirty="0"/>
-              <a:t>Existing Methods</a:t>
-            </a:r>
-          </a:p>
-          <a:p>
-            <a:pPr marL="457200" indent="-457200" algn="l" eaLnBrk="1" hangingPunct="1">
-              <a:buFont typeface="Wingdings" panose="05000000000000000000" pitchFamily="2" charset="2"/>
-              <a:buChar char="Ø"/>
-            </a:pPr>
-            <a:r>
-              <a:rPr lang="en-IN" altLang="en-US" dirty="0"/>
-              <a:t>Proposed Method</a:t>
-            </a:r>
-          </a:p>
-          <a:p>
-            <a:pPr marL="457200" indent="-457200" algn="l" eaLnBrk="1" hangingPunct="1">
-              <a:buFont typeface="Wingdings" panose="05000000000000000000" pitchFamily="2" charset="2"/>
-              <a:buChar char="Ø"/>
-            </a:pPr>
-            <a:r>
-              <a:rPr lang="en-IN" altLang="en-US" dirty="0"/>
-              <a:t>Description of proposed method</a:t>
-            </a:r>
-          </a:p>
-          <a:p>
-            <a:pPr marL="457200" indent="-457200" algn="l" eaLnBrk="1" hangingPunct="1">
-              <a:buFont typeface="Wingdings" panose="05000000000000000000" pitchFamily="2" charset="2"/>
-              <a:buChar char="Ø"/>
-            </a:pPr>
-            <a:r>
-              <a:rPr lang="en-US" altLang="en-US" dirty="0"/>
-              <a:t>Mathematical Modeling</a:t>
-            </a:r>
-          </a:p>
-          <a:p>
-            <a:pPr marL="457200" indent="-457200" algn="l" eaLnBrk="1" hangingPunct="1">
-              <a:buFont typeface="Wingdings" panose="05000000000000000000" pitchFamily="2" charset="2"/>
-              <a:buChar char="Ø"/>
-            </a:pPr>
-            <a:r>
-              <a:rPr lang="en-US" altLang="en-US" dirty="0"/>
-              <a:t>Simulation and Results</a:t>
-            </a:r>
-          </a:p>
-          <a:p>
-            <a:pPr marL="0" indent="0" algn="l" eaLnBrk="1" hangingPunct="1">
-              <a:buNone/>
-            </a:pPr>
-            <a:endParaRPr lang="en-US" altLang="en-US" dirty="0"/>
-          </a:p>
-          <a:p>
-            <a:pPr marL="457200" indent="-457200" algn="l" eaLnBrk="1" hangingPunct="1">
-              <a:buFont typeface="Wingdings" panose="05000000000000000000" pitchFamily="2" charset="2"/>
-              <a:buChar char="Ø"/>
-            </a:pPr>
-            <a:endParaRPr lang="en-IN" altLang="en-US" dirty="0"/>
-          </a:p>
-          <a:p>
-            <a:pPr marL="457200" indent="-457200" algn="l" eaLnBrk="1" hangingPunct="1">
-              <a:buFont typeface="Wingdings" panose="05000000000000000000" pitchFamily="2" charset="2"/>
-              <a:buNone/>
-            </a:pPr>
-            <a:endParaRPr lang="en-IN" altLang="en-US" sz="2800" dirty="0"/>
-          </a:p>
-          <a:p>
-            <a:pPr marL="457200" indent="-457200" algn="l" eaLnBrk="1" hangingPunct="1"/>
-            <a:endParaRPr lang="en-IN" altLang="en-US" sz="2800" dirty="0"/>
-          </a:p>
-          <a:p>
-            <a:pPr marL="457200" indent="-457200" algn="l" eaLnBrk="1" hangingPunct="1">
-              <a:buFont typeface="Wingdings" panose="05000000000000000000" pitchFamily="2" charset="2"/>
-              <a:buChar char="Ø"/>
-            </a:pPr>
-            <a:endParaRPr lang="en-IN" altLang="en-US" sz="2800" dirty="0"/>
-          </a:p>
-          <a:p>
-            <a:pPr marL="457200" indent="-457200" algn="l" eaLnBrk="1" hangingPunct="1"/>
-            <a:endParaRPr lang="en-IN" altLang="en-US" sz="2800" dirty="0"/>
-          </a:p>
-        </p:txBody>
-      </p:sp>
-      <p:sp>
-        <p:nvSpPr>
-          <p:cNvPr id="8" name="Content Placeholder 7">
-            <a:extLst>
-              <a:ext uri="{FF2B5EF4-FFF2-40B4-BE49-F238E27FC236}">
-                <a16:creationId xmlns:a16="http://schemas.microsoft.com/office/drawing/2014/main" id="{FC652F47-CF2C-4626-9DD0-393C4858891F}"/>
-              </a:ext>
-            </a:extLst>
-          </p:cNvPr>
-          <p:cNvSpPr>
-            <a:spLocks noGrp="1"/>
-          </p:cNvSpPr>
-          <p:nvPr>
-            <p:ph sz="half" idx="2"/>
-          </p:nvPr>
-        </p:nvSpPr>
-        <p:spPr>
-          <a:xfrm>
-            <a:off x="6172200" y="782638"/>
-            <a:ext cx="5181600" cy="5573711"/>
-          </a:xfrm>
-        </p:spPr>
-        <p:txBody>
-          <a:bodyPr/>
-          <a:lstStyle/>
-          <a:p>
-            <a:pPr eaLnBrk="1" hangingPunct="1">
-              <a:buFont typeface="Wingdings" panose="05000000000000000000" pitchFamily="2" charset="2"/>
-              <a:buChar char="Ø"/>
-            </a:pPr>
-            <a:r>
-              <a:rPr lang="en-IN" altLang="en-US" dirty="0"/>
-              <a:t>  Conclusion</a:t>
-            </a:r>
-          </a:p>
-          <a:p>
-            <a:pPr marL="457200" indent="-457200" eaLnBrk="1" hangingPunct="1">
-              <a:buFont typeface="Wingdings" panose="05000000000000000000" pitchFamily="2" charset="2"/>
-              <a:buChar char="Ø"/>
-            </a:pPr>
-            <a:r>
-              <a:rPr lang="en-US" altLang="en-IN" dirty="0"/>
-              <a:t>Future Scope</a:t>
-            </a:r>
-            <a:endParaRPr lang="en-IN" altLang="en-US" dirty="0"/>
-          </a:p>
-          <a:p>
-            <a:pPr marL="457200" indent="-457200" eaLnBrk="1" hangingPunct="1">
-              <a:buFont typeface="Wingdings" panose="05000000000000000000" pitchFamily="2" charset="2"/>
-              <a:buChar char="Ø"/>
-            </a:pPr>
-            <a:r>
-              <a:rPr lang="en-IN" altLang="en-US" dirty="0"/>
-              <a:t>References</a:t>
-            </a:r>
-          </a:p>
-          <a:p>
-            <a:pPr>
-              <a:buFont typeface="Wingdings" panose="05000000000000000000" pitchFamily="2" charset="2"/>
-              <a:buChar char="Ø"/>
-            </a:pPr>
-            <a:endParaRPr lang="en-IN" dirty="0"/>
-          </a:p>
-        </p:txBody>
-      </p:sp>
-      <p:sp>
-        <p:nvSpPr>
-          <p:cNvPr id="4100" name="Date Placeholder 1">
-            <a:extLst>
-              <a:ext uri="{FF2B5EF4-FFF2-40B4-BE49-F238E27FC236}">
-                <a16:creationId xmlns:a16="http://schemas.microsoft.com/office/drawing/2014/main" id="{07AF59AB-18BC-4B80-A164-1305CFD7C81A}"/>
-              </a:ext>
-            </a:extLst>
-          </p:cNvPr>
-          <p:cNvSpPr>
-            <a:spLocks noGrp="1" noChangeArrowheads="1"/>
-          </p:cNvSpPr>
-          <p:nvPr>
-            <p:ph type="dt" sz="half" idx="10"/>
-          </p:nvPr>
-        </p:nvSpPr>
-        <p:spPr bwMode="auto">
-          <a:noFill/>
-          <a:extLst>
-            <a:ext uri="{909E8E84-426E-40DD-AFC4-6F175D3DCCD1}">
-              <a14:hiddenFill xmlns:a14="http://schemas.microsoft.com/office/drawing/2010/main">
-                <a:solidFill>
-                  <a:srgbClr val="FFFFFF"/>
-                </a:solidFill>
-              </a14:hiddenFill>
-            </a:ext>
-            <a:ext uri="{91240B29-F687-4F45-9708-019B960494DF}">
-              <a14:hiddenLine xmlns:a14="http://schemas.microsoft.com/office/drawing/2010/main" w="9525">
-                <a:solidFill>
-                  <a:srgbClr val="000000"/>
-                </a:solidFill>
-                <a:miter lim="800000"/>
-                <a:headEnd/>
-                <a:tailEnd/>
-              </a14:hiddenLine>
-            </a:ext>
-          </a:extLst>
-        </p:spPr>
-        <p:txBody>
-          <a:bodyPr/>
-          <a:lstStyle>
-            <a:lvl1pPr>
-              <a:defRPr>
-                <a:solidFill>
-                  <a:schemeClr val="tx1"/>
-                </a:solidFill>
-                <a:latin typeface="Calibri" panose="020F0502020204030204" pitchFamily="34" charset="0"/>
-              </a:defRPr>
-            </a:lvl1pPr>
-            <a:lvl2pPr marL="742950" indent="-285750">
-              <a:defRPr>
-                <a:solidFill>
-                  <a:schemeClr val="tx1"/>
-                </a:solidFill>
-                <a:latin typeface="Calibri" panose="020F0502020204030204" pitchFamily="34" charset="0"/>
-              </a:defRPr>
-            </a:lvl2pPr>
-            <a:lvl3pPr marL="1143000" indent="-228600">
-              <a:defRPr>
-                <a:solidFill>
-                  <a:schemeClr val="tx1"/>
-                </a:solidFill>
-                <a:latin typeface="Calibri" panose="020F0502020204030204" pitchFamily="34" charset="0"/>
-              </a:defRPr>
-            </a:lvl3pPr>
-            <a:lvl4pPr marL="1600200" indent="-228600">
-              <a:defRPr>
-                <a:solidFill>
-                  <a:schemeClr val="tx1"/>
-                </a:solidFill>
-                <a:latin typeface="Calibri" panose="020F0502020204030204" pitchFamily="34" charset="0"/>
-              </a:defRPr>
-            </a:lvl4pPr>
-            <a:lvl5pPr marL="2057400" indent="-228600">
-              <a:defRPr>
-                <a:solidFill>
-                  <a:schemeClr val="tx1"/>
-                </a:solidFill>
-                <a:latin typeface="Calibri" panose="020F0502020204030204" pitchFamily="34" charset="0"/>
-              </a:defRPr>
-            </a:lvl5pPr>
-            <a:lvl6pPr marL="2514600" indent="-228600" eaLnBrk="0" fontAlgn="base" hangingPunct="0">
-              <a:spcBef>
-                <a:spcPct val="0"/>
-              </a:spcBef>
-              <a:spcAft>
-                <a:spcPct val="0"/>
-              </a:spcAft>
-              <a:defRPr>
-                <a:solidFill>
-                  <a:schemeClr val="tx1"/>
-                </a:solidFill>
-                <a:latin typeface="Calibri" panose="020F0502020204030204" pitchFamily="34" charset="0"/>
-              </a:defRPr>
-            </a:lvl6pPr>
-            <a:lvl7pPr marL="2971800" indent="-228600" eaLnBrk="0" fontAlgn="base" hangingPunct="0">
-              <a:spcBef>
-                <a:spcPct val="0"/>
-              </a:spcBef>
-              <a:spcAft>
-                <a:spcPct val="0"/>
-              </a:spcAft>
-              <a:defRPr>
-                <a:solidFill>
-                  <a:schemeClr val="tx1"/>
-                </a:solidFill>
-                <a:latin typeface="Calibri" panose="020F0502020204030204" pitchFamily="34" charset="0"/>
-              </a:defRPr>
-            </a:lvl7pPr>
-            <a:lvl8pPr marL="3429000" indent="-228600" eaLnBrk="0" fontAlgn="base" hangingPunct="0">
-              <a:spcBef>
-                <a:spcPct val="0"/>
-              </a:spcBef>
-              <a:spcAft>
-                <a:spcPct val="0"/>
-              </a:spcAft>
-              <a:defRPr>
-                <a:solidFill>
-                  <a:schemeClr val="tx1"/>
-                </a:solidFill>
-                <a:latin typeface="Calibri" panose="020F0502020204030204" pitchFamily="34" charset="0"/>
-              </a:defRPr>
-            </a:lvl8pPr>
-            <a:lvl9pPr marL="3886200" indent="-228600" eaLnBrk="0" fontAlgn="base" hangingPunct="0">
-              <a:spcBef>
-                <a:spcPct val="0"/>
-              </a:spcBef>
-              <a:spcAft>
-                <a:spcPct val="0"/>
-              </a:spcAft>
-              <a:defRPr>
-                <a:solidFill>
-                  <a:schemeClr val="tx1"/>
-                </a:solidFill>
-                <a:latin typeface="Calibri" panose="020F0502020204030204" pitchFamily="34" charset="0"/>
-              </a:defRPr>
-            </a:lvl9pPr>
-          </a:lstStyle>
-          <a:p>
-            <a:fld id="{76BD6F3F-C37E-4649-B2A0-E614AB64D458}" type="datetime1">
-              <a:rPr lang="en-US" altLang="zh-CN">
-                <a:solidFill>
-                  <a:srgbClr val="898989"/>
-                </a:solidFill>
-              </a:rPr>
-              <a:pPr/>
-              <a:t>4/16/2020</a:t>
-            </a:fld>
-            <a:endParaRPr lang="en-US" altLang="zh-CN">
-              <a:solidFill>
-                <a:srgbClr val="898989"/>
-              </a:solidFill>
-            </a:endParaRPr>
-          </a:p>
-        </p:txBody>
-      </p:sp>
-      <p:sp>
-        <p:nvSpPr>
-          <p:cNvPr id="4101" name="Slide Number Placeholder 2">
-            <a:extLst>
-              <a:ext uri="{FF2B5EF4-FFF2-40B4-BE49-F238E27FC236}">
-                <a16:creationId xmlns:a16="http://schemas.microsoft.com/office/drawing/2014/main" id="{43C9D98F-8AA9-4DCE-A342-4896377FCB8C}"/>
-              </a:ext>
-            </a:extLst>
-          </p:cNvPr>
-          <p:cNvSpPr>
-            <a:spLocks noGrp="1" noChangeArrowheads="1"/>
-          </p:cNvSpPr>
-          <p:nvPr>
-            <p:ph type="sldNum" sz="quarter" idx="12"/>
-          </p:nvPr>
-        </p:nvSpPr>
-        <p:spPr bwMode="auto">
-          <a:noFill/>
-          <a:extLst>
-            <a:ext uri="{909E8E84-426E-40DD-AFC4-6F175D3DCCD1}">
-              <a14:hiddenFill xmlns:a14="http://schemas.microsoft.com/office/drawing/2010/main">
-                <a:solidFill>
-                  <a:srgbClr val="FFFFFF"/>
-                </a:solidFill>
-              </a14:hiddenFill>
-            </a:ext>
-            <a:ext uri="{91240B29-F687-4F45-9708-019B960494DF}">
-              <a14:hiddenLine xmlns:a14="http://schemas.microsoft.com/office/drawing/2010/main" w="9525">
-                <a:solidFill>
-                  <a:srgbClr val="000000"/>
-                </a:solidFill>
-                <a:miter lim="800000"/>
-                <a:headEnd/>
-                <a:tailEnd/>
-              </a14:hiddenLine>
-            </a:ext>
-          </a:extLst>
-        </p:spPr>
-        <p:txBody>
-          <a:bodyPr/>
-          <a:lstStyle>
-            <a:lvl1pPr>
-              <a:defRPr>
-                <a:solidFill>
-                  <a:schemeClr val="tx1"/>
-                </a:solidFill>
-                <a:latin typeface="Calibri" panose="020F0502020204030204" pitchFamily="34" charset="0"/>
-              </a:defRPr>
-            </a:lvl1pPr>
-            <a:lvl2pPr marL="742950" indent="-285750">
-              <a:defRPr>
-                <a:solidFill>
-                  <a:schemeClr val="tx1"/>
-                </a:solidFill>
-                <a:latin typeface="Calibri" panose="020F0502020204030204" pitchFamily="34" charset="0"/>
-              </a:defRPr>
-            </a:lvl2pPr>
-            <a:lvl3pPr marL="1143000" indent="-228600">
-              <a:defRPr>
-                <a:solidFill>
-                  <a:schemeClr val="tx1"/>
-                </a:solidFill>
-                <a:latin typeface="Calibri" panose="020F0502020204030204" pitchFamily="34" charset="0"/>
-              </a:defRPr>
-            </a:lvl3pPr>
-            <a:lvl4pPr marL="1600200" indent="-228600">
-              <a:defRPr>
-                <a:solidFill>
-                  <a:schemeClr val="tx1"/>
-                </a:solidFill>
-                <a:latin typeface="Calibri" panose="020F0502020204030204" pitchFamily="34" charset="0"/>
-              </a:defRPr>
-            </a:lvl4pPr>
-            <a:lvl5pPr marL="2057400" indent="-228600">
-              <a:defRPr>
-                <a:solidFill>
-                  <a:schemeClr val="tx1"/>
-                </a:solidFill>
-                <a:latin typeface="Calibri" panose="020F0502020204030204" pitchFamily="34" charset="0"/>
-              </a:defRPr>
-            </a:lvl5pPr>
-            <a:lvl6pPr marL="2514600" indent="-228600" eaLnBrk="0" fontAlgn="base" hangingPunct="0">
-              <a:spcBef>
-                <a:spcPct val="0"/>
-              </a:spcBef>
-              <a:spcAft>
-                <a:spcPct val="0"/>
-              </a:spcAft>
-              <a:defRPr>
-                <a:solidFill>
-                  <a:schemeClr val="tx1"/>
-                </a:solidFill>
-                <a:latin typeface="Calibri" panose="020F0502020204030204" pitchFamily="34" charset="0"/>
-              </a:defRPr>
-            </a:lvl6pPr>
-            <a:lvl7pPr marL="2971800" indent="-228600" eaLnBrk="0" fontAlgn="base" hangingPunct="0">
-              <a:spcBef>
-                <a:spcPct val="0"/>
-              </a:spcBef>
-              <a:spcAft>
-                <a:spcPct val="0"/>
-              </a:spcAft>
-              <a:defRPr>
-                <a:solidFill>
-                  <a:schemeClr val="tx1"/>
-                </a:solidFill>
-                <a:latin typeface="Calibri" panose="020F0502020204030204" pitchFamily="34" charset="0"/>
-              </a:defRPr>
-            </a:lvl7pPr>
-            <a:lvl8pPr marL="3429000" indent="-228600" eaLnBrk="0" fontAlgn="base" hangingPunct="0">
-              <a:spcBef>
-                <a:spcPct val="0"/>
-              </a:spcBef>
-              <a:spcAft>
-                <a:spcPct val="0"/>
-              </a:spcAft>
-              <a:defRPr>
-                <a:solidFill>
-                  <a:schemeClr val="tx1"/>
-                </a:solidFill>
-                <a:latin typeface="Calibri" panose="020F0502020204030204" pitchFamily="34" charset="0"/>
-              </a:defRPr>
-            </a:lvl8pPr>
-            <a:lvl9pPr marL="3886200" indent="-228600" eaLnBrk="0" fontAlgn="base" hangingPunct="0">
-              <a:spcBef>
-                <a:spcPct val="0"/>
-              </a:spcBef>
-              <a:spcAft>
-                <a:spcPct val="0"/>
-              </a:spcAft>
-              <a:defRPr>
-                <a:solidFill>
-                  <a:schemeClr val="tx1"/>
-                </a:solidFill>
-                <a:latin typeface="Calibri" panose="020F0502020204030204" pitchFamily="34" charset="0"/>
-              </a:defRPr>
-            </a:lvl9pPr>
-          </a:lstStyle>
-          <a:p>
-            <a:fld id="{CCCC9E64-A6B5-4936-B9BD-8794F42936BE}" type="slidenum">
-              <a:rPr lang="en-US" altLang="zh-CN">
-                <a:solidFill>
-                  <a:srgbClr val="898989"/>
-                </a:solidFill>
-              </a:rPr>
-              <a:pPr/>
-              <a:t>2</a:t>
-            </a:fld>
-            <a:endParaRPr lang="en-US" altLang="zh-CN">
-              <a:solidFill>
-                <a:srgbClr val="898989"/>
-              </a:solidFill>
-            </a:endParaRPr>
-          </a:p>
-        </p:txBody>
-      </p:sp>
-      <p:sp>
-        <p:nvSpPr>
-          <p:cNvPr id="4099" name="TextBox 5">
-            <a:extLst>
-              <a:ext uri="{FF2B5EF4-FFF2-40B4-BE49-F238E27FC236}">
-                <a16:creationId xmlns:a16="http://schemas.microsoft.com/office/drawing/2014/main" id="{A8EC7057-2686-4CD6-8B76-B5B95B7AF885}"/>
-              </a:ext>
-            </a:extLst>
-          </p:cNvPr>
-          <p:cNvSpPr txBox="1">
-            <a:spLocks noChangeArrowheads="1"/>
-          </p:cNvSpPr>
-          <p:nvPr/>
-        </p:nvSpPr>
-        <p:spPr bwMode="auto">
-          <a:xfrm>
-            <a:off x="327025" y="136525"/>
-            <a:ext cx="2725738" cy="646113"/>
-          </a:xfrm>
-          <a:prstGeom prst="rect">
-            <a:avLst/>
-          </a:prstGeom>
-          <a:noFill/>
-          <a:ln>
-            <a:noFill/>
-          </a:ln>
-          <a:extLst>
-            <a:ext uri="{909E8E84-426E-40DD-AFC4-6F175D3DCCD1}">
-              <a14:hiddenFill xmlns:a14="http://schemas.microsoft.com/office/drawing/2010/main">
-                <a:solidFill>
-                  <a:srgbClr val="FFFFFF"/>
-                </a:solidFill>
-              </a14:hiddenFill>
-            </a:ext>
-            <a:ext uri="{91240B29-F687-4F45-9708-019B960494DF}">
-              <a14:hiddenLine xmlns:a14="http://schemas.microsoft.com/office/drawing/2010/main" w="9525">
-                <a:solidFill>
-                  <a:srgbClr val="000000"/>
-                </a:solidFill>
-                <a:miter lim="800000"/>
-                <a:headEnd/>
-                <a:tailEnd/>
-              </a14:hiddenLine>
-            </a:ext>
-          </a:extLst>
-        </p:spPr>
-        <p:txBody>
-          <a:bodyPr>
-            <a:spAutoFit/>
-          </a:bodyPr>
-          <a:lstStyle>
-            <a:lvl1pPr>
-              <a:defRPr>
-                <a:solidFill>
-                  <a:schemeClr val="tx1"/>
-                </a:solidFill>
-                <a:latin typeface="Calibri" panose="020F0502020204030204" pitchFamily="34" charset="0"/>
-              </a:defRPr>
-            </a:lvl1pPr>
-            <a:lvl2pPr marL="742950" indent="-285750">
-              <a:defRPr>
-                <a:solidFill>
-                  <a:schemeClr val="tx1"/>
-                </a:solidFill>
-                <a:latin typeface="Calibri" panose="020F0502020204030204" pitchFamily="34" charset="0"/>
-              </a:defRPr>
-            </a:lvl2pPr>
-            <a:lvl3pPr marL="1143000" indent="-228600">
-              <a:defRPr>
-                <a:solidFill>
-                  <a:schemeClr val="tx1"/>
-                </a:solidFill>
-                <a:latin typeface="Calibri" panose="020F0502020204030204" pitchFamily="34" charset="0"/>
-              </a:defRPr>
-            </a:lvl3pPr>
-            <a:lvl4pPr marL="1600200" indent="-228600">
-              <a:defRPr>
-                <a:solidFill>
-                  <a:schemeClr val="tx1"/>
-                </a:solidFill>
-                <a:latin typeface="Calibri" panose="020F0502020204030204" pitchFamily="34" charset="0"/>
-              </a:defRPr>
-            </a:lvl4pPr>
-            <a:lvl5pPr marL="2057400" indent="-228600">
-              <a:defRPr>
-                <a:solidFill>
-                  <a:schemeClr val="tx1"/>
-                </a:solidFill>
-                <a:latin typeface="Calibri" panose="020F0502020204030204" pitchFamily="34" charset="0"/>
-              </a:defRPr>
-            </a:lvl5pPr>
-            <a:lvl6pPr marL="2514600" indent="-228600" eaLnBrk="0" fontAlgn="base" hangingPunct="0">
-              <a:spcBef>
-                <a:spcPct val="0"/>
-              </a:spcBef>
-              <a:spcAft>
-                <a:spcPct val="0"/>
-              </a:spcAft>
-              <a:defRPr>
-                <a:solidFill>
-                  <a:schemeClr val="tx1"/>
-                </a:solidFill>
-                <a:latin typeface="Calibri" panose="020F0502020204030204" pitchFamily="34" charset="0"/>
-              </a:defRPr>
-            </a:lvl6pPr>
-            <a:lvl7pPr marL="2971800" indent="-228600" eaLnBrk="0" fontAlgn="base" hangingPunct="0">
-              <a:spcBef>
-                <a:spcPct val="0"/>
-              </a:spcBef>
-              <a:spcAft>
-                <a:spcPct val="0"/>
-              </a:spcAft>
-              <a:defRPr>
-                <a:solidFill>
-                  <a:schemeClr val="tx1"/>
-                </a:solidFill>
-                <a:latin typeface="Calibri" panose="020F0502020204030204" pitchFamily="34" charset="0"/>
-              </a:defRPr>
-            </a:lvl7pPr>
-            <a:lvl8pPr marL="3429000" indent="-228600" eaLnBrk="0" fontAlgn="base" hangingPunct="0">
-              <a:spcBef>
-                <a:spcPct val="0"/>
-              </a:spcBef>
-              <a:spcAft>
-                <a:spcPct val="0"/>
-              </a:spcAft>
-              <a:defRPr>
-                <a:solidFill>
-                  <a:schemeClr val="tx1"/>
-                </a:solidFill>
-                <a:latin typeface="Calibri" panose="020F0502020204030204" pitchFamily="34" charset="0"/>
-              </a:defRPr>
-            </a:lvl8pPr>
-            <a:lvl9pPr marL="3886200" indent="-228600" eaLnBrk="0" fontAlgn="base" hangingPunct="0">
-              <a:spcBef>
-                <a:spcPct val="0"/>
-              </a:spcBef>
-              <a:spcAft>
-                <a:spcPct val="0"/>
-              </a:spcAft>
-              <a:defRPr>
-                <a:solidFill>
-                  <a:schemeClr val="tx1"/>
-                </a:solidFill>
-                <a:latin typeface="Calibri" panose="020F0502020204030204" pitchFamily="34" charset="0"/>
-              </a:defRPr>
-            </a:lvl9pPr>
-          </a:lstStyle>
-          <a:p>
-            <a:pPr eaLnBrk="1" hangingPunct="1"/>
-            <a:r>
-              <a:rPr lang="en-IN" altLang="en-US" sz="3600" b="1" u="sng" dirty="0">
-                <a:solidFill>
-                  <a:srgbClr val="FF0000"/>
-                </a:solidFill>
-              </a:rPr>
-              <a:t>Contents</a:t>
-            </a:r>
-            <a:r>
-              <a:rPr lang="en-IN" altLang="en-US" sz="3600" b="1" dirty="0">
-                <a:solidFill>
-                  <a:srgbClr val="FF0000"/>
-                </a:solidFill>
-              </a:rPr>
-              <a:t> :</a:t>
-            </a:r>
-          </a:p>
-        </p:txBody>
-      </p:sp>
-    </p:spTree>
-  </p:cSld>
-  <p:clrMapOvr>
-    <a:masterClrMapping/>
-  </p:clrMapOvr>
-</p:sld>
-</file>
-
-<file path=ppt/slides/slide20.xml><?xml version="1.0" encoding="utf-8"?>
+<file path=ppt/slides/slide19.xml><?xml version="1.0" encoding="utf-8"?>
 <p:sld xmlns:a="http://schemas.openxmlformats.org/drawingml/2006/main" xmlns:r="http://schemas.openxmlformats.org/officeDocument/2006/relationships" xmlns:p="http://schemas.openxmlformats.org/presentationml/2006/main">
   <p:cSld>
     <p:spTree>
@@ -29716,7 +28870,7 @@
                 </a:solidFill>
               </a:rPr>
               <a:pPr/>
-              <a:t>4/16/2020</a:t>
+              <a:t>4/21/2020</a:t>
             </a:fld>
             <a:endParaRPr lang="en-US" altLang="zh-CN">
               <a:solidFill>
@@ -29872,172 +29026,13 @@
                 </a:solidFill>
               </a:rPr>
               <a:pPr/>
-              <a:t>20</a:t>
+              <a:t>19</a:t>
             </a:fld>
             <a:endParaRPr lang="en-US" altLang="zh-CN">
               <a:solidFill>
                 <a:srgbClr val="898989"/>
               </a:solidFill>
             </a:endParaRPr>
-          </a:p>
-        </p:txBody>
-      </p:sp>
-      <p:sp>
-        <p:nvSpPr>
-          <p:cNvPr id="16389" name="TextBox 9">
-            <a:extLst>
-              <a:ext uri="{FF2B5EF4-FFF2-40B4-BE49-F238E27FC236}">
-                <a16:creationId xmlns:a16="http://schemas.microsoft.com/office/drawing/2014/main" id="{DF58B689-2473-42C4-BEF2-3EC4E151087E}"/>
-              </a:ext>
-            </a:extLst>
-          </p:cNvPr>
-          <p:cNvSpPr txBox="1">
-            <a:spLocks noChangeArrowheads="1"/>
-          </p:cNvSpPr>
-          <p:nvPr/>
-        </p:nvSpPr>
-        <p:spPr bwMode="auto">
-          <a:xfrm>
-            <a:off x="4710113" y="4202694"/>
-            <a:ext cx="2901307" cy="369332"/>
-          </a:xfrm>
-          <a:prstGeom prst="rect">
-            <a:avLst/>
-          </a:prstGeom>
-          <a:noFill/>
-          <a:ln>
-            <a:noFill/>
-          </a:ln>
-          <a:extLst>
-            <a:ext uri="{909E8E84-426E-40DD-AFC4-6F175D3DCCD1}">
-              <a14:hiddenFill xmlns:a14="http://schemas.microsoft.com/office/drawing/2010/main">
-                <a:solidFill>
-                  <a:srgbClr val="FFFFFF"/>
-                </a:solidFill>
-              </a14:hiddenFill>
-            </a:ext>
-            <a:ext uri="{91240B29-F687-4F45-9708-019B960494DF}">
-              <a14:hiddenLine xmlns:a14="http://schemas.microsoft.com/office/drawing/2010/main" w="9525">
-                <a:solidFill>
-                  <a:srgbClr val="000000"/>
-                </a:solidFill>
-                <a:miter lim="800000"/>
-                <a:headEnd/>
-                <a:tailEnd/>
-              </a14:hiddenLine>
-            </a:ext>
-          </a:extLst>
-        </p:spPr>
-        <p:txBody>
-          <a:bodyPr wrap="none">
-            <a:spAutoFit/>
-          </a:bodyPr>
-          <a:lstStyle>
-            <a:lvl1pPr>
-              <a:defRPr>
-                <a:solidFill>
-                  <a:schemeClr val="tx1"/>
-                </a:solidFill>
-                <a:latin typeface="Calibri" panose="020F0502020204030204" pitchFamily="34" charset="0"/>
-              </a:defRPr>
-            </a:lvl1pPr>
-            <a:lvl2pPr marL="742950" indent="-285750">
-              <a:defRPr>
-                <a:solidFill>
-                  <a:schemeClr val="tx1"/>
-                </a:solidFill>
-                <a:latin typeface="Calibri" panose="020F0502020204030204" pitchFamily="34" charset="0"/>
-              </a:defRPr>
-            </a:lvl2pPr>
-            <a:lvl3pPr marL="1143000" indent="-228600">
-              <a:defRPr>
-                <a:solidFill>
-                  <a:schemeClr val="tx1"/>
-                </a:solidFill>
-                <a:latin typeface="Calibri" panose="020F0502020204030204" pitchFamily="34" charset="0"/>
-              </a:defRPr>
-            </a:lvl3pPr>
-            <a:lvl4pPr marL="1600200" indent="-228600">
-              <a:defRPr>
-                <a:solidFill>
-                  <a:schemeClr val="tx1"/>
-                </a:solidFill>
-                <a:latin typeface="Calibri" panose="020F0502020204030204" pitchFamily="34" charset="0"/>
-              </a:defRPr>
-            </a:lvl4pPr>
-            <a:lvl5pPr marL="2057400" indent="-228600">
-              <a:defRPr>
-                <a:solidFill>
-                  <a:schemeClr val="tx1"/>
-                </a:solidFill>
-                <a:latin typeface="Calibri" panose="020F0502020204030204" pitchFamily="34" charset="0"/>
-              </a:defRPr>
-            </a:lvl5pPr>
-            <a:lvl6pPr marL="2514600" indent="-228600" eaLnBrk="0" fontAlgn="base" hangingPunct="0">
-              <a:spcBef>
-                <a:spcPct val="0"/>
-              </a:spcBef>
-              <a:spcAft>
-                <a:spcPct val="0"/>
-              </a:spcAft>
-              <a:defRPr>
-                <a:solidFill>
-                  <a:schemeClr val="tx1"/>
-                </a:solidFill>
-                <a:latin typeface="Calibri" panose="020F0502020204030204" pitchFamily="34" charset="0"/>
-              </a:defRPr>
-            </a:lvl6pPr>
-            <a:lvl7pPr marL="2971800" indent="-228600" eaLnBrk="0" fontAlgn="base" hangingPunct="0">
-              <a:spcBef>
-                <a:spcPct val="0"/>
-              </a:spcBef>
-              <a:spcAft>
-                <a:spcPct val="0"/>
-              </a:spcAft>
-              <a:defRPr>
-                <a:solidFill>
-                  <a:schemeClr val="tx1"/>
-                </a:solidFill>
-                <a:latin typeface="Calibri" panose="020F0502020204030204" pitchFamily="34" charset="0"/>
-              </a:defRPr>
-            </a:lvl7pPr>
-            <a:lvl8pPr marL="3429000" indent="-228600" eaLnBrk="0" fontAlgn="base" hangingPunct="0">
-              <a:spcBef>
-                <a:spcPct val="0"/>
-              </a:spcBef>
-              <a:spcAft>
-                <a:spcPct val="0"/>
-              </a:spcAft>
-              <a:defRPr>
-                <a:solidFill>
-                  <a:schemeClr val="tx1"/>
-                </a:solidFill>
-                <a:latin typeface="Calibri" panose="020F0502020204030204" pitchFamily="34" charset="0"/>
-              </a:defRPr>
-            </a:lvl8pPr>
-            <a:lvl9pPr marL="3886200" indent="-228600" eaLnBrk="0" fontAlgn="base" hangingPunct="0">
-              <a:spcBef>
-                <a:spcPct val="0"/>
-              </a:spcBef>
-              <a:spcAft>
-                <a:spcPct val="0"/>
-              </a:spcAft>
-              <a:defRPr>
-                <a:solidFill>
-                  <a:schemeClr val="tx1"/>
-                </a:solidFill>
-                <a:latin typeface="Calibri" panose="020F0502020204030204" pitchFamily="34" charset="0"/>
-              </a:defRPr>
-            </a:lvl9pPr>
-          </a:lstStyle>
-          <a:p>
-            <a:pPr eaLnBrk="1" hangingPunct="1"/>
-            <a:r>
-              <a:rPr lang="en-US" altLang="zh-CN" dirty="0">
-                <a:ea typeface="SimSun" panose="02010600030101010101" pitchFamily="2" charset="-122"/>
-              </a:rPr>
-              <a:t>Table 5. Classification Results</a:t>
-            </a:r>
           </a:p>
         </p:txBody>
       </p:sp>
@@ -30057,13 +29052,13 @@
             <p:ph idx="1"/>
             <p:extLst>
               <p:ext uri="{D42A27DB-BD31-4B8C-83A1-F6EECF244321}">
-                <p14:modId xmlns:p14="http://schemas.microsoft.com/office/powerpoint/2010/main" val="1289924917"/>
+                <p14:modId xmlns:p14="http://schemas.microsoft.com/office/powerpoint/2010/main" val="3941704940"/>
               </p:ext>
             </p:extLst>
           </p:nvPr>
         </p:nvGraphicFramePr>
         <p:xfrm>
-          <a:off x="838200" y="1403930"/>
+          <a:off x="838200" y="2281383"/>
           <a:ext cx="10515600" cy="2295482"/>
         </p:xfrm>
         <a:graphic>
@@ -30258,12 +29253,12 @@
                     <a:p>
                       <a:pPr algn="ctr" fontAlgn="b"/>
                       <a:r>
-                        <a:rPr lang="en-IN" sz="1200" u="none" strike="noStrike">
+                        <a:rPr lang="en-IN" sz="1200" u="none" strike="noStrike" dirty="0">
                           <a:effectLst/>
                         </a:rPr>
                         <a:t>CG</a:t>
                       </a:r>
-                      <a:endParaRPr lang="en-IN" sz="1200" b="1" i="1" u="none" strike="noStrike">
+                      <a:endParaRPr lang="en-IN" sz="1200" b="1" i="1" u="none" strike="noStrike" dirty="0">
                         <a:solidFill>
                           <a:srgbClr val="800000"/>
                         </a:solidFill>
@@ -30553,12 +29548,12 @@
                     <a:p>
                       <a:pPr algn="ctr" fontAlgn="b"/>
                       <a:r>
-                        <a:rPr lang="en-IN" sz="1200" u="none" strike="noStrike">
+                        <a:rPr lang="en-IN" sz="1200" u="none" strike="noStrike" dirty="0">
                           <a:effectLst/>
                         </a:rPr>
                         <a:t>5.34328E-06</a:t>
                       </a:r>
-                      <a:endParaRPr lang="en-IN" sz="1200" b="0" i="0" u="none" strike="noStrike">
+                      <a:endParaRPr lang="en-IN" sz="1200" b="0" i="0" u="none" strike="noStrike" dirty="0">
                         <a:solidFill>
                           <a:srgbClr val="000000"/>
                         </a:solidFill>
@@ -30580,12 +29575,12 @@
                     <a:p>
                       <a:pPr algn="ctr" fontAlgn="b"/>
                       <a:r>
-                        <a:rPr lang="en-IN" sz="1200" u="none" strike="noStrike">
+                        <a:rPr lang="en-IN" sz="1200" u="none" strike="noStrike" dirty="0">
                           <a:effectLst/>
                         </a:rPr>
                         <a:t>3.77744E-06</a:t>
                       </a:r>
-                      <a:endParaRPr lang="en-IN" sz="1200" b="0" i="0" u="none" strike="noStrike">
+                      <a:endParaRPr lang="en-IN" sz="1200" b="0" i="0" u="none" strike="noStrike" dirty="0">
                         <a:solidFill>
                           <a:srgbClr val="000000"/>
                         </a:solidFill>
@@ -31461,6 +30456,165 @@
           </a:p>
         </p:txBody>
       </p:sp>
+      <p:sp>
+        <p:nvSpPr>
+          <p:cNvPr id="7" name="TextBox 9">
+            <a:extLst>
+              <a:ext uri="{FF2B5EF4-FFF2-40B4-BE49-F238E27FC236}">
+                <a16:creationId xmlns:a16="http://schemas.microsoft.com/office/drawing/2014/main" id="{FD93D32B-FD5D-48F6-98B5-11DC081E51C5}"/>
+              </a:ext>
+            </a:extLst>
+          </p:cNvPr>
+          <p:cNvSpPr txBox="1">
+            <a:spLocks noChangeArrowheads="1"/>
+          </p:cNvSpPr>
+          <p:nvPr/>
+        </p:nvSpPr>
+        <p:spPr bwMode="auto">
+          <a:xfrm>
+            <a:off x="838200" y="1782765"/>
+            <a:ext cx="10515600" cy="461665"/>
+          </a:xfrm>
+          <a:prstGeom prst="rect">
+            <a:avLst/>
+          </a:prstGeom>
+          <a:noFill/>
+          <a:ln>
+            <a:noFill/>
+          </a:ln>
+          <a:extLst>
+            <a:ext uri="{909E8E84-426E-40DD-AFC4-6F175D3DCCD1}">
+              <a14:hiddenFill xmlns:a14="http://schemas.microsoft.com/office/drawing/2010/main">
+                <a:solidFill>
+                  <a:srgbClr val="FFFFFF"/>
+                </a:solidFill>
+              </a14:hiddenFill>
+            </a:ext>
+            <a:ext uri="{91240B29-F687-4F45-9708-019B960494DF}">
+              <a14:hiddenLine xmlns:a14="http://schemas.microsoft.com/office/drawing/2010/main" w="9525">
+                <a:solidFill>
+                  <a:srgbClr val="000000"/>
+                </a:solidFill>
+                <a:miter lim="800000"/>
+                <a:headEnd/>
+                <a:tailEnd/>
+              </a14:hiddenLine>
+            </a:ext>
+          </a:extLst>
+        </p:spPr>
+        <p:txBody>
+          <a:bodyPr wrap="square">
+            <a:spAutoFit/>
+          </a:bodyPr>
+          <a:lstStyle>
+            <a:lvl1pPr>
+              <a:defRPr>
+                <a:solidFill>
+                  <a:schemeClr val="tx1"/>
+                </a:solidFill>
+                <a:latin typeface="Calibri" panose="020F0502020204030204" pitchFamily="34" charset="0"/>
+              </a:defRPr>
+            </a:lvl1pPr>
+            <a:lvl2pPr marL="742950" indent="-285750">
+              <a:defRPr>
+                <a:solidFill>
+                  <a:schemeClr val="tx1"/>
+                </a:solidFill>
+                <a:latin typeface="Calibri" panose="020F0502020204030204" pitchFamily="34" charset="0"/>
+              </a:defRPr>
+            </a:lvl2pPr>
+            <a:lvl3pPr marL="1143000" indent="-228600">
+              <a:defRPr>
+                <a:solidFill>
+                  <a:schemeClr val="tx1"/>
+                </a:solidFill>
+                <a:latin typeface="Calibri" panose="020F0502020204030204" pitchFamily="34" charset="0"/>
+              </a:defRPr>
+            </a:lvl3pPr>
+            <a:lvl4pPr marL="1600200" indent="-228600">
+              <a:defRPr>
+                <a:solidFill>
+                  <a:schemeClr val="tx1"/>
+                </a:solidFill>
+                <a:latin typeface="Calibri" panose="020F0502020204030204" pitchFamily="34" charset="0"/>
+              </a:defRPr>
+            </a:lvl4pPr>
+            <a:lvl5pPr marL="2057400" indent="-228600">
+              <a:defRPr>
+                <a:solidFill>
+                  <a:schemeClr val="tx1"/>
+                </a:solidFill>
+                <a:latin typeface="Calibri" panose="020F0502020204030204" pitchFamily="34" charset="0"/>
+              </a:defRPr>
+            </a:lvl5pPr>
+            <a:lvl6pPr marL="2514600" indent="-228600" eaLnBrk="0" fontAlgn="base" hangingPunct="0">
+              <a:spcBef>
+                <a:spcPct val="0"/>
+              </a:spcBef>
+              <a:spcAft>
+                <a:spcPct val="0"/>
+              </a:spcAft>
+              <a:defRPr>
+                <a:solidFill>
+                  <a:schemeClr val="tx1"/>
+                </a:solidFill>
+                <a:latin typeface="Calibri" panose="020F0502020204030204" pitchFamily="34" charset="0"/>
+              </a:defRPr>
+            </a:lvl6pPr>
+            <a:lvl7pPr marL="2971800" indent="-228600" eaLnBrk="0" fontAlgn="base" hangingPunct="0">
+              <a:spcBef>
+                <a:spcPct val="0"/>
+              </a:spcBef>
+              <a:spcAft>
+                <a:spcPct val="0"/>
+              </a:spcAft>
+              <a:defRPr>
+                <a:solidFill>
+                  <a:schemeClr val="tx1"/>
+                </a:solidFill>
+                <a:latin typeface="Calibri" panose="020F0502020204030204" pitchFamily="34" charset="0"/>
+              </a:defRPr>
+            </a:lvl7pPr>
+            <a:lvl8pPr marL="3429000" indent="-228600" eaLnBrk="0" fontAlgn="base" hangingPunct="0">
+              <a:spcBef>
+                <a:spcPct val="0"/>
+              </a:spcBef>
+              <a:spcAft>
+                <a:spcPct val="0"/>
+              </a:spcAft>
+              <a:defRPr>
+                <a:solidFill>
+                  <a:schemeClr val="tx1"/>
+                </a:solidFill>
+                <a:latin typeface="Calibri" panose="020F0502020204030204" pitchFamily="34" charset="0"/>
+              </a:defRPr>
+            </a:lvl8pPr>
+            <a:lvl9pPr marL="3886200" indent="-228600" eaLnBrk="0" fontAlgn="base" hangingPunct="0">
+              <a:spcBef>
+                <a:spcPct val="0"/>
+              </a:spcBef>
+              <a:spcAft>
+                <a:spcPct val="0"/>
+              </a:spcAft>
+              <a:defRPr>
+                <a:solidFill>
+                  <a:schemeClr val="tx1"/>
+                </a:solidFill>
+                <a:latin typeface="Calibri" panose="020F0502020204030204" pitchFamily="34" charset="0"/>
+              </a:defRPr>
+            </a:lvl9pPr>
+          </a:lstStyle>
+          <a:p>
+            <a:pPr algn="ctr" eaLnBrk="1" hangingPunct="1"/>
+            <a:r>
+              <a:rPr lang="en-US" altLang="zh-CN" sz="2400" dirty="0">
+                <a:ea typeface="SimSun" panose="02010600030101010101" pitchFamily="2" charset="-122"/>
+              </a:rPr>
+              <a:t>Table 5. Performance Indices of fault classification</a:t>
+            </a:r>
+          </a:p>
+        </p:txBody>
+      </p:sp>
     </p:spTree>
   </p:cSld>
   <p:clrMapOvr>
@@ -31469,7 +30623,722 @@
 </p:sld>
 </file>
 
-<file path=ppt/slides/slide21.xml><?xml version="1.0" encoding="utf-8"?>
+<file path=ppt/slides/slide2.xml><?xml version="1.0" encoding="utf-8"?>
+<p:sld xmlns:a="http://schemas.openxmlformats.org/drawingml/2006/main" xmlns:r="http://schemas.openxmlformats.org/officeDocument/2006/relationships" xmlns:p="http://schemas.openxmlformats.org/presentationml/2006/main">
+  <p:cSld>
+    <p:spTree>
+      <p:nvGrpSpPr>
+        <p:cNvPr id="1" name=""/>
+        <p:cNvGrpSpPr/>
+        <p:nvPr/>
+      </p:nvGrpSpPr>
+      <p:grpSpPr>
+        <a:xfrm>
+          <a:off x="0" y="0"/>
+          <a:ext cx="0" cy="0"/>
+          <a:chOff x="0" y="0"/>
+          <a:chExt cx="0" cy="0"/>
+        </a:xfrm>
+      </p:grpSpPr>
+      <p:sp>
+        <p:nvSpPr>
+          <p:cNvPr id="4098" name="Subtitle 4">
+            <a:extLst>
+              <a:ext uri="{FF2B5EF4-FFF2-40B4-BE49-F238E27FC236}">
+                <a16:creationId xmlns:a16="http://schemas.microsoft.com/office/drawing/2014/main" id="{ABE197E4-5096-4E67-B82F-49172E7C8AC3}"/>
+              </a:ext>
+            </a:extLst>
+          </p:cNvPr>
+          <p:cNvSpPr>
+            <a:spLocks noGrp="1" noChangeArrowheads="1"/>
+          </p:cNvSpPr>
+          <p:nvPr>
+            <p:ph sz="half" idx="1"/>
+          </p:nvPr>
+        </p:nvSpPr>
+        <p:spPr>
+          <a:xfrm>
+            <a:off x="755073" y="825644"/>
+            <a:ext cx="5181600" cy="5530705"/>
+          </a:xfrm>
+        </p:spPr>
+        <p:txBody>
+          <a:bodyPr/>
+          <a:lstStyle/>
+          <a:p>
+            <a:pPr marL="457200" indent="-457200" algn="l" eaLnBrk="1" hangingPunct="1">
+              <a:buFont typeface="Wingdings" panose="05000000000000000000" pitchFamily="2" charset="2"/>
+              <a:buChar char="Ø"/>
+            </a:pPr>
+            <a:r>
+              <a:rPr lang="en-IN" altLang="en-US" dirty="0"/>
+              <a:t>Objective</a:t>
+            </a:r>
+          </a:p>
+          <a:p>
+            <a:pPr marL="457200" indent="-457200" algn="l" eaLnBrk="1" hangingPunct="1">
+              <a:buFont typeface="Wingdings" panose="05000000000000000000" pitchFamily="2" charset="2"/>
+              <a:buChar char="Ø"/>
+            </a:pPr>
+            <a:r>
+              <a:rPr lang="en-IN" altLang="en-US" dirty="0"/>
+              <a:t>Introduction</a:t>
+            </a:r>
+            <a:endParaRPr lang="en-US" altLang="en-IN" dirty="0"/>
+          </a:p>
+          <a:p>
+            <a:pPr marL="457200" indent="-457200" algn="l" eaLnBrk="1" hangingPunct="1">
+              <a:buFont typeface="Wingdings" panose="05000000000000000000" pitchFamily="2" charset="2"/>
+              <a:buChar char="Ø"/>
+            </a:pPr>
+            <a:r>
+              <a:rPr lang="en-US" altLang="en-US" dirty="0"/>
+              <a:t>Problem Identification</a:t>
+            </a:r>
+            <a:endParaRPr lang="en-IN" altLang="en-US" dirty="0"/>
+          </a:p>
+          <a:p>
+            <a:pPr marL="457200" indent="-457200" algn="l" eaLnBrk="1" hangingPunct="1">
+              <a:buFont typeface="Wingdings" panose="05000000000000000000" pitchFamily="2" charset="2"/>
+              <a:buChar char="Ø"/>
+            </a:pPr>
+            <a:r>
+              <a:rPr lang="en-IN" altLang="en-US" dirty="0"/>
+              <a:t>Existing Methods</a:t>
+            </a:r>
+          </a:p>
+          <a:p>
+            <a:pPr marL="457200" indent="-457200" algn="l" eaLnBrk="1" hangingPunct="1">
+              <a:buFont typeface="Wingdings" panose="05000000000000000000" pitchFamily="2" charset="2"/>
+              <a:buChar char="Ø"/>
+            </a:pPr>
+            <a:r>
+              <a:rPr lang="en-IN" altLang="en-US" dirty="0"/>
+              <a:t>Proposed Method</a:t>
+            </a:r>
+          </a:p>
+          <a:p>
+            <a:pPr marL="457200" indent="-457200" algn="l" eaLnBrk="1" hangingPunct="1">
+              <a:buFont typeface="Wingdings" panose="05000000000000000000" pitchFamily="2" charset="2"/>
+              <a:buChar char="Ø"/>
+            </a:pPr>
+            <a:r>
+              <a:rPr lang="en-IN" altLang="en-US" dirty="0"/>
+              <a:t>Description of proposed method</a:t>
+            </a:r>
+          </a:p>
+          <a:p>
+            <a:pPr marL="457200" indent="-457200" algn="l" eaLnBrk="1" hangingPunct="1">
+              <a:buFont typeface="Wingdings" panose="05000000000000000000" pitchFamily="2" charset="2"/>
+              <a:buChar char="Ø"/>
+            </a:pPr>
+            <a:r>
+              <a:rPr lang="en-US" altLang="en-US" dirty="0"/>
+              <a:t>Mathematical Modeling</a:t>
+            </a:r>
+          </a:p>
+          <a:p>
+            <a:pPr marL="457200" indent="-457200" algn="l" eaLnBrk="1" hangingPunct="1">
+              <a:buFont typeface="Wingdings" panose="05000000000000000000" pitchFamily="2" charset="2"/>
+              <a:buChar char="Ø"/>
+            </a:pPr>
+            <a:r>
+              <a:rPr lang="en-US" altLang="en-US" dirty="0"/>
+              <a:t>Simulation and Results</a:t>
+            </a:r>
+          </a:p>
+          <a:p>
+            <a:pPr marL="0" indent="0" algn="l" eaLnBrk="1" hangingPunct="1">
+              <a:buNone/>
+            </a:pPr>
+            <a:endParaRPr lang="en-US" altLang="en-US" dirty="0"/>
+          </a:p>
+          <a:p>
+            <a:pPr marL="457200" indent="-457200" algn="l" eaLnBrk="1" hangingPunct="1">
+              <a:buFont typeface="Wingdings" panose="05000000000000000000" pitchFamily="2" charset="2"/>
+              <a:buChar char="Ø"/>
+            </a:pPr>
+            <a:endParaRPr lang="en-IN" altLang="en-US" dirty="0"/>
+          </a:p>
+          <a:p>
+            <a:pPr marL="457200" indent="-457200" algn="l" eaLnBrk="1" hangingPunct="1">
+              <a:buFont typeface="Wingdings" panose="05000000000000000000" pitchFamily="2" charset="2"/>
+              <a:buNone/>
+            </a:pPr>
+            <a:endParaRPr lang="en-IN" altLang="en-US" sz="2800" dirty="0"/>
+          </a:p>
+          <a:p>
+            <a:pPr marL="457200" indent="-457200" algn="l" eaLnBrk="1" hangingPunct="1"/>
+            <a:endParaRPr lang="en-IN" altLang="en-US" sz="2800" dirty="0"/>
+          </a:p>
+          <a:p>
+            <a:pPr marL="457200" indent="-457200" algn="l" eaLnBrk="1" hangingPunct="1">
+              <a:buFont typeface="Wingdings" panose="05000000000000000000" pitchFamily="2" charset="2"/>
+              <a:buChar char="Ø"/>
+            </a:pPr>
+            <a:endParaRPr lang="en-IN" altLang="en-US" sz="2800" dirty="0"/>
+          </a:p>
+          <a:p>
+            <a:pPr marL="457200" indent="-457200" algn="l" eaLnBrk="1" hangingPunct="1"/>
+            <a:endParaRPr lang="en-IN" altLang="en-US" sz="2800" dirty="0"/>
+          </a:p>
+        </p:txBody>
+      </p:sp>
+      <p:sp>
+        <p:nvSpPr>
+          <p:cNvPr id="8" name="Content Placeholder 7">
+            <a:extLst>
+              <a:ext uri="{FF2B5EF4-FFF2-40B4-BE49-F238E27FC236}">
+                <a16:creationId xmlns:a16="http://schemas.microsoft.com/office/drawing/2014/main" id="{FC652F47-CF2C-4626-9DD0-393C4858891F}"/>
+              </a:ext>
+            </a:extLst>
+          </p:cNvPr>
+          <p:cNvSpPr>
+            <a:spLocks noGrp="1"/>
+          </p:cNvSpPr>
+          <p:nvPr>
+            <p:ph sz="half" idx="2"/>
+          </p:nvPr>
+        </p:nvSpPr>
+        <p:spPr>
+          <a:xfrm>
+            <a:off x="6172200" y="782638"/>
+            <a:ext cx="5181600" cy="5573711"/>
+          </a:xfrm>
+        </p:spPr>
+        <p:txBody>
+          <a:bodyPr/>
+          <a:lstStyle/>
+          <a:p>
+            <a:pPr eaLnBrk="1" hangingPunct="1">
+              <a:buFont typeface="Wingdings" panose="05000000000000000000" pitchFamily="2" charset="2"/>
+              <a:buChar char="Ø"/>
+            </a:pPr>
+            <a:r>
+              <a:rPr lang="en-IN" altLang="en-US" dirty="0"/>
+              <a:t>  Conclusion</a:t>
+            </a:r>
+          </a:p>
+          <a:p>
+            <a:pPr marL="457200" indent="-457200" eaLnBrk="1" hangingPunct="1">
+              <a:buFont typeface="Wingdings" panose="05000000000000000000" pitchFamily="2" charset="2"/>
+              <a:buChar char="Ø"/>
+            </a:pPr>
+            <a:r>
+              <a:rPr lang="en-US" altLang="en-IN" dirty="0"/>
+              <a:t>Future Scope</a:t>
+            </a:r>
+            <a:endParaRPr lang="en-IN" altLang="en-US" dirty="0"/>
+          </a:p>
+          <a:p>
+            <a:pPr marL="457200" indent="-457200" eaLnBrk="1" hangingPunct="1">
+              <a:buFont typeface="Wingdings" panose="05000000000000000000" pitchFamily="2" charset="2"/>
+              <a:buChar char="Ø"/>
+            </a:pPr>
+            <a:r>
+              <a:rPr lang="en-IN" altLang="en-US" dirty="0"/>
+              <a:t>References</a:t>
+            </a:r>
+          </a:p>
+          <a:p>
+            <a:pPr>
+              <a:buFont typeface="Wingdings" panose="05000000000000000000" pitchFamily="2" charset="2"/>
+              <a:buChar char="Ø"/>
+            </a:pPr>
+            <a:endParaRPr lang="en-IN" dirty="0"/>
+          </a:p>
+        </p:txBody>
+      </p:sp>
+      <p:sp>
+        <p:nvSpPr>
+          <p:cNvPr id="4100" name="Date Placeholder 1">
+            <a:extLst>
+              <a:ext uri="{FF2B5EF4-FFF2-40B4-BE49-F238E27FC236}">
+                <a16:creationId xmlns:a16="http://schemas.microsoft.com/office/drawing/2014/main" id="{07AF59AB-18BC-4B80-A164-1305CFD7C81A}"/>
+              </a:ext>
+            </a:extLst>
+          </p:cNvPr>
+          <p:cNvSpPr>
+            <a:spLocks noGrp="1" noChangeArrowheads="1"/>
+          </p:cNvSpPr>
+          <p:nvPr>
+            <p:ph type="dt" sz="half" idx="10"/>
+          </p:nvPr>
+        </p:nvSpPr>
+        <p:spPr bwMode="auto">
+          <a:noFill/>
+          <a:extLst>
+            <a:ext uri="{909E8E84-426E-40DD-AFC4-6F175D3DCCD1}">
+              <a14:hiddenFill xmlns:a14="http://schemas.microsoft.com/office/drawing/2010/main">
+                <a:solidFill>
+                  <a:srgbClr val="FFFFFF"/>
+                </a:solidFill>
+              </a14:hiddenFill>
+            </a:ext>
+            <a:ext uri="{91240B29-F687-4F45-9708-019B960494DF}">
+              <a14:hiddenLine xmlns:a14="http://schemas.microsoft.com/office/drawing/2010/main" w="9525">
+                <a:solidFill>
+                  <a:srgbClr val="000000"/>
+                </a:solidFill>
+                <a:miter lim="800000"/>
+                <a:headEnd/>
+                <a:tailEnd/>
+              </a14:hiddenLine>
+            </a:ext>
+          </a:extLst>
+        </p:spPr>
+        <p:txBody>
+          <a:bodyPr/>
+          <a:lstStyle>
+            <a:lvl1pPr>
+              <a:defRPr>
+                <a:solidFill>
+                  <a:schemeClr val="tx1"/>
+                </a:solidFill>
+                <a:latin typeface="Calibri" panose="020F0502020204030204" pitchFamily="34" charset="0"/>
+              </a:defRPr>
+            </a:lvl1pPr>
+            <a:lvl2pPr marL="742950" indent="-285750">
+              <a:defRPr>
+                <a:solidFill>
+                  <a:schemeClr val="tx1"/>
+                </a:solidFill>
+                <a:latin typeface="Calibri" panose="020F0502020204030204" pitchFamily="34" charset="0"/>
+              </a:defRPr>
+            </a:lvl2pPr>
+            <a:lvl3pPr marL="1143000" indent="-228600">
+              <a:defRPr>
+                <a:solidFill>
+                  <a:schemeClr val="tx1"/>
+                </a:solidFill>
+                <a:latin typeface="Calibri" panose="020F0502020204030204" pitchFamily="34" charset="0"/>
+              </a:defRPr>
+            </a:lvl3pPr>
+            <a:lvl4pPr marL="1600200" indent="-228600">
+              <a:defRPr>
+                <a:solidFill>
+                  <a:schemeClr val="tx1"/>
+                </a:solidFill>
+                <a:latin typeface="Calibri" panose="020F0502020204030204" pitchFamily="34" charset="0"/>
+              </a:defRPr>
+            </a:lvl4pPr>
+            <a:lvl5pPr marL="2057400" indent="-228600">
+              <a:defRPr>
+                <a:solidFill>
+                  <a:schemeClr val="tx1"/>
+                </a:solidFill>
+                <a:latin typeface="Calibri" panose="020F0502020204030204" pitchFamily="34" charset="0"/>
+              </a:defRPr>
+            </a:lvl5pPr>
+            <a:lvl6pPr marL="2514600" indent="-228600" eaLnBrk="0" fontAlgn="base" hangingPunct="0">
+              <a:spcBef>
+                <a:spcPct val="0"/>
+              </a:spcBef>
+              <a:spcAft>
+                <a:spcPct val="0"/>
+              </a:spcAft>
+              <a:defRPr>
+                <a:solidFill>
+                  <a:schemeClr val="tx1"/>
+                </a:solidFill>
+                <a:latin typeface="Calibri" panose="020F0502020204030204" pitchFamily="34" charset="0"/>
+              </a:defRPr>
+            </a:lvl6pPr>
+            <a:lvl7pPr marL="2971800" indent="-228600" eaLnBrk="0" fontAlgn="base" hangingPunct="0">
+              <a:spcBef>
+                <a:spcPct val="0"/>
+              </a:spcBef>
+              <a:spcAft>
+                <a:spcPct val="0"/>
+              </a:spcAft>
+              <a:defRPr>
+                <a:solidFill>
+                  <a:schemeClr val="tx1"/>
+                </a:solidFill>
+                <a:latin typeface="Calibri" panose="020F0502020204030204" pitchFamily="34" charset="0"/>
+              </a:defRPr>
+            </a:lvl7pPr>
+            <a:lvl8pPr marL="3429000" indent="-228600" eaLnBrk="0" fontAlgn="base" hangingPunct="0">
+              <a:spcBef>
+                <a:spcPct val="0"/>
+              </a:spcBef>
+              <a:spcAft>
+                <a:spcPct val="0"/>
+              </a:spcAft>
+              <a:defRPr>
+                <a:solidFill>
+                  <a:schemeClr val="tx1"/>
+                </a:solidFill>
+                <a:latin typeface="Calibri" panose="020F0502020204030204" pitchFamily="34" charset="0"/>
+              </a:defRPr>
+            </a:lvl8pPr>
+            <a:lvl9pPr marL="3886200" indent="-228600" eaLnBrk="0" fontAlgn="base" hangingPunct="0">
+              <a:spcBef>
+                <a:spcPct val="0"/>
+              </a:spcBef>
+              <a:spcAft>
+                <a:spcPct val="0"/>
+              </a:spcAft>
+              <a:defRPr>
+                <a:solidFill>
+                  <a:schemeClr val="tx1"/>
+                </a:solidFill>
+                <a:latin typeface="Calibri" panose="020F0502020204030204" pitchFamily="34" charset="0"/>
+              </a:defRPr>
+            </a:lvl9pPr>
+          </a:lstStyle>
+          <a:p>
+            <a:fld id="{76BD6F3F-C37E-4649-B2A0-E614AB64D458}" type="datetime1">
+              <a:rPr lang="en-US" altLang="zh-CN">
+                <a:solidFill>
+                  <a:srgbClr val="898989"/>
+                </a:solidFill>
+              </a:rPr>
+              <a:pPr/>
+              <a:t>4/21/2020</a:t>
+            </a:fld>
+            <a:endParaRPr lang="en-US" altLang="zh-CN">
+              <a:solidFill>
+                <a:srgbClr val="898989"/>
+              </a:solidFill>
+            </a:endParaRPr>
+          </a:p>
+        </p:txBody>
+      </p:sp>
+      <p:sp>
+        <p:nvSpPr>
+          <p:cNvPr id="4101" name="Slide Number Placeholder 2">
+            <a:extLst>
+              <a:ext uri="{FF2B5EF4-FFF2-40B4-BE49-F238E27FC236}">
+                <a16:creationId xmlns:a16="http://schemas.microsoft.com/office/drawing/2014/main" id="{43C9D98F-8AA9-4DCE-A342-4896377FCB8C}"/>
+              </a:ext>
+            </a:extLst>
+          </p:cNvPr>
+          <p:cNvSpPr>
+            <a:spLocks noGrp="1" noChangeArrowheads="1"/>
+          </p:cNvSpPr>
+          <p:nvPr>
+            <p:ph type="sldNum" sz="quarter" idx="12"/>
+          </p:nvPr>
+        </p:nvSpPr>
+        <p:spPr bwMode="auto">
+          <a:noFill/>
+          <a:extLst>
+            <a:ext uri="{909E8E84-426E-40DD-AFC4-6F175D3DCCD1}">
+              <a14:hiddenFill xmlns:a14="http://schemas.microsoft.com/office/drawing/2010/main">
+                <a:solidFill>
+                  <a:srgbClr val="FFFFFF"/>
+                </a:solidFill>
+              </a14:hiddenFill>
+            </a:ext>
+            <a:ext uri="{91240B29-F687-4F45-9708-019B960494DF}">
+              <a14:hiddenLine xmlns:a14="http://schemas.microsoft.com/office/drawing/2010/main" w="9525">
+                <a:solidFill>
+                  <a:srgbClr val="000000"/>
+                </a:solidFill>
+                <a:miter lim="800000"/>
+                <a:headEnd/>
+                <a:tailEnd/>
+              </a14:hiddenLine>
+            </a:ext>
+          </a:extLst>
+        </p:spPr>
+        <p:txBody>
+          <a:bodyPr/>
+          <a:lstStyle>
+            <a:lvl1pPr>
+              <a:defRPr>
+                <a:solidFill>
+                  <a:schemeClr val="tx1"/>
+                </a:solidFill>
+                <a:latin typeface="Calibri" panose="020F0502020204030204" pitchFamily="34" charset="0"/>
+              </a:defRPr>
+            </a:lvl1pPr>
+            <a:lvl2pPr marL="742950" indent="-285750">
+              <a:defRPr>
+                <a:solidFill>
+                  <a:schemeClr val="tx1"/>
+                </a:solidFill>
+                <a:latin typeface="Calibri" panose="020F0502020204030204" pitchFamily="34" charset="0"/>
+              </a:defRPr>
+            </a:lvl2pPr>
+            <a:lvl3pPr marL="1143000" indent="-228600">
+              <a:defRPr>
+                <a:solidFill>
+                  <a:schemeClr val="tx1"/>
+                </a:solidFill>
+                <a:latin typeface="Calibri" panose="020F0502020204030204" pitchFamily="34" charset="0"/>
+              </a:defRPr>
+            </a:lvl3pPr>
+            <a:lvl4pPr marL="1600200" indent="-228600">
+              <a:defRPr>
+                <a:solidFill>
+                  <a:schemeClr val="tx1"/>
+                </a:solidFill>
+                <a:latin typeface="Calibri" panose="020F0502020204030204" pitchFamily="34" charset="0"/>
+              </a:defRPr>
+            </a:lvl4pPr>
+            <a:lvl5pPr marL="2057400" indent="-228600">
+              <a:defRPr>
+                <a:solidFill>
+                  <a:schemeClr val="tx1"/>
+                </a:solidFill>
+                <a:latin typeface="Calibri" panose="020F0502020204030204" pitchFamily="34" charset="0"/>
+              </a:defRPr>
+            </a:lvl5pPr>
+            <a:lvl6pPr marL="2514600" indent="-228600" eaLnBrk="0" fontAlgn="base" hangingPunct="0">
+              <a:spcBef>
+                <a:spcPct val="0"/>
+              </a:spcBef>
+              <a:spcAft>
+                <a:spcPct val="0"/>
+              </a:spcAft>
+              <a:defRPr>
+                <a:solidFill>
+                  <a:schemeClr val="tx1"/>
+                </a:solidFill>
+                <a:latin typeface="Calibri" panose="020F0502020204030204" pitchFamily="34" charset="0"/>
+              </a:defRPr>
+            </a:lvl6pPr>
+            <a:lvl7pPr marL="2971800" indent="-228600" eaLnBrk="0" fontAlgn="base" hangingPunct="0">
+              <a:spcBef>
+                <a:spcPct val="0"/>
+              </a:spcBef>
+              <a:spcAft>
+                <a:spcPct val="0"/>
+              </a:spcAft>
+              <a:defRPr>
+                <a:solidFill>
+                  <a:schemeClr val="tx1"/>
+                </a:solidFill>
+                <a:latin typeface="Calibri" panose="020F0502020204030204" pitchFamily="34" charset="0"/>
+              </a:defRPr>
+            </a:lvl7pPr>
+            <a:lvl8pPr marL="3429000" indent="-228600" eaLnBrk="0" fontAlgn="base" hangingPunct="0">
+              <a:spcBef>
+                <a:spcPct val="0"/>
+              </a:spcBef>
+              <a:spcAft>
+                <a:spcPct val="0"/>
+              </a:spcAft>
+              <a:defRPr>
+                <a:solidFill>
+                  <a:schemeClr val="tx1"/>
+                </a:solidFill>
+                <a:latin typeface="Calibri" panose="020F0502020204030204" pitchFamily="34" charset="0"/>
+              </a:defRPr>
+            </a:lvl8pPr>
+            <a:lvl9pPr marL="3886200" indent="-228600" eaLnBrk="0" fontAlgn="base" hangingPunct="0">
+              <a:spcBef>
+                <a:spcPct val="0"/>
+              </a:spcBef>
+              <a:spcAft>
+                <a:spcPct val="0"/>
+              </a:spcAft>
+              <a:defRPr>
+                <a:solidFill>
+                  <a:schemeClr val="tx1"/>
+                </a:solidFill>
+                <a:latin typeface="Calibri" panose="020F0502020204030204" pitchFamily="34" charset="0"/>
+              </a:defRPr>
+            </a:lvl9pPr>
+          </a:lstStyle>
+          <a:p>
+            <a:fld id="{CCCC9E64-A6B5-4936-B9BD-8794F42936BE}" type="slidenum">
+              <a:rPr lang="en-US" altLang="zh-CN">
+                <a:solidFill>
+                  <a:srgbClr val="898989"/>
+                </a:solidFill>
+              </a:rPr>
+              <a:pPr/>
+              <a:t>2</a:t>
+            </a:fld>
+            <a:endParaRPr lang="en-US" altLang="zh-CN">
+              <a:solidFill>
+                <a:srgbClr val="898989"/>
+              </a:solidFill>
+            </a:endParaRPr>
+          </a:p>
+        </p:txBody>
+      </p:sp>
+      <p:sp>
+        <p:nvSpPr>
+          <p:cNvPr id="4099" name="TextBox 5">
+            <a:extLst>
+              <a:ext uri="{FF2B5EF4-FFF2-40B4-BE49-F238E27FC236}">
+                <a16:creationId xmlns:a16="http://schemas.microsoft.com/office/drawing/2014/main" id="{A8EC7057-2686-4CD6-8B76-B5B95B7AF885}"/>
+              </a:ext>
+            </a:extLst>
+          </p:cNvPr>
+          <p:cNvSpPr txBox="1">
+            <a:spLocks noChangeArrowheads="1"/>
+          </p:cNvSpPr>
+          <p:nvPr/>
+        </p:nvSpPr>
+        <p:spPr bwMode="auto">
+          <a:xfrm>
+            <a:off x="327025" y="136525"/>
+            <a:ext cx="2725738" cy="646113"/>
+          </a:xfrm>
+          <a:prstGeom prst="rect">
+            <a:avLst/>
+          </a:prstGeom>
+          <a:noFill/>
+          <a:ln>
+            <a:noFill/>
+          </a:ln>
+          <a:extLst>
+            <a:ext uri="{909E8E84-426E-40DD-AFC4-6F175D3DCCD1}">
+              <a14:hiddenFill xmlns:a14="http://schemas.microsoft.com/office/drawing/2010/main">
+                <a:solidFill>
+                  <a:srgbClr val="FFFFFF"/>
+                </a:solidFill>
+              </a14:hiddenFill>
+            </a:ext>
+            <a:ext uri="{91240B29-F687-4F45-9708-019B960494DF}">
+              <a14:hiddenLine xmlns:a14="http://schemas.microsoft.com/office/drawing/2010/main" w="9525">
+                <a:solidFill>
+                  <a:srgbClr val="000000"/>
+                </a:solidFill>
+                <a:miter lim="800000"/>
+                <a:headEnd/>
+                <a:tailEnd/>
+              </a14:hiddenLine>
+            </a:ext>
+          </a:extLst>
+        </p:spPr>
+        <p:txBody>
+          <a:bodyPr>
+            <a:spAutoFit/>
+          </a:bodyPr>
+          <a:lstStyle>
+            <a:lvl1pPr>
+              <a:defRPr>
+                <a:solidFill>
+                  <a:schemeClr val="tx1"/>
+                </a:solidFill>
+                <a:latin typeface="Calibri" panose="020F0502020204030204" pitchFamily="34" charset="0"/>
+              </a:defRPr>
+            </a:lvl1pPr>
+            <a:lvl2pPr marL="742950" indent="-285750">
+              <a:defRPr>
+                <a:solidFill>
+                  <a:schemeClr val="tx1"/>
+                </a:solidFill>
+                <a:latin typeface="Calibri" panose="020F0502020204030204" pitchFamily="34" charset="0"/>
+              </a:defRPr>
+            </a:lvl2pPr>
+            <a:lvl3pPr marL="1143000" indent="-228600">
+              <a:defRPr>
+                <a:solidFill>
+                  <a:schemeClr val="tx1"/>
+                </a:solidFill>
+                <a:latin typeface="Calibri" panose="020F0502020204030204" pitchFamily="34" charset="0"/>
+              </a:defRPr>
+            </a:lvl3pPr>
+            <a:lvl4pPr marL="1600200" indent="-228600">
+              <a:defRPr>
+                <a:solidFill>
+                  <a:schemeClr val="tx1"/>
+                </a:solidFill>
+                <a:latin typeface="Calibri" panose="020F0502020204030204" pitchFamily="34" charset="0"/>
+              </a:defRPr>
+            </a:lvl4pPr>
+            <a:lvl5pPr marL="2057400" indent="-228600">
+              <a:defRPr>
+                <a:solidFill>
+                  <a:schemeClr val="tx1"/>
+                </a:solidFill>
+                <a:latin typeface="Calibri" panose="020F0502020204030204" pitchFamily="34" charset="0"/>
+              </a:defRPr>
+            </a:lvl5pPr>
+            <a:lvl6pPr marL="2514600" indent="-228600" eaLnBrk="0" fontAlgn="base" hangingPunct="0">
+              <a:spcBef>
+                <a:spcPct val="0"/>
+              </a:spcBef>
+              <a:spcAft>
+                <a:spcPct val="0"/>
+              </a:spcAft>
+              <a:defRPr>
+                <a:solidFill>
+                  <a:schemeClr val="tx1"/>
+                </a:solidFill>
+                <a:latin typeface="Calibri" panose="020F0502020204030204" pitchFamily="34" charset="0"/>
+              </a:defRPr>
+            </a:lvl6pPr>
+            <a:lvl7pPr marL="2971800" indent="-228600" eaLnBrk="0" fontAlgn="base" hangingPunct="0">
+              <a:spcBef>
+                <a:spcPct val="0"/>
+              </a:spcBef>
+              <a:spcAft>
+                <a:spcPct val="0"/>
+              </a:spcAft>
+              <a:defRPr>
+                <a:solidFill>
+                  <a:schemeClr val="tx1"/>
+                </a:solidFill>
+                <a:latin typeface="Calibri" panose="020F0502020204030204" pitchFamily="34" charset="0"/>
+              </a:defRPr>
+            </a:lvl7pPr>
+            <a:lvl8pPr marL="3429000" indent="-228600" eaLnBrk="0" fontAlgn="base" hangingPunct="0">
+              <a:spcBef>
+                <a:spcPct val="0"/>
+              </a:spcBef>
+              <a:spcAft>
+                <a:spcPct val="0"/>
+              </a:spcAft>
+              <a:defRPr>
+                <a:solidFill>
+                  <a:schemeClr val="tx1"/>
+                </a:solidFill>
+                <a:latin typeface="Calibri" panose="020F0502020204030204" pitchFamily="34" charset="0"/>
+              </a:defRPr>
+            </a:lvl8pPr>
+            <a:lvl9pPr marL="3886200" indent="-228600" eaLnBrk="0" fontAlgn="base" hangingPunct="0">
+              <a:spcBef>
+                <a:spcPct val="0"/>
+              </a:spcBef>
+              <a:spcAft>
+                <a:spcPct val="0"/>
+              </a:spcAft>
+              <a:defRPr>
+                <a:solidFill>
+                  <a:schemeClr val="tx1"/>
+                </a:solidFill>
+                <a:latin typeface="Calibri" panose="020F0502020204030204" pitchFamily="34" charset="0"/>
+              </a:defRPr>
+            </a:lvl9pPr>
+          </a:lstStyle>
+          <a:p>
+            <a:pPr eaLnBrk="1" hangingPunct="1"/>
+            <a:r>
+              <a:rPr lang="en-IN" altLang="en-US" sz="3600" b="1" u="sng" dirty="0">
+                <a:solidFill>
+                  <a:srgbClr val="FF0000"/>
+                </a:solidFill>
+              </a:rPr>
+              <a:t>Contents</a:t>
+            </a:r>
+            <a:r>
+              <a:rPr lang="en-IN" altLang="en-US" sz="3600" b="1" dirty="0">
+                <a:solidFill>
+                  <a:srgbClr val="FF0000"/>
+                </a:solidFill>
+              </a:rPr>
+              <a:t> :</a:t>
+            </a:r>
+          </a:p>
+        </p:txBody>
+      </p:sp>
+    </p:spTree>
+  </p:cSld>
+  <p:clrMapOvr>
+    <a:masterClrMapping/>
+  </p:clrMapOvr>
+</p:sld>
+</file>
+
+<file path=ppt/slides/slide20.xml><?xml version="1.0" encoding="utf-8"?>
 <p:sld xmlns:a="http://schemas.openxmlformats.org/drawingml/2006/main" xmlns:r="http://schemas.openxmlformats.org/officeDocument/2006/relationships" xmlns:p="http://schemas.openxmlformats.org/presentationml/2006/main">
   <p:cSld>
     <p:spTree>
@@ -31632,7 +31501,7 @@
                 </a:solidFill>
               </a:rPr>
               <a:pPr/>
-              <a:t>4/16/2020</a:t>
+              <a:t>4/21/2020</a:t>
             </a:fld>
             <a:endParaRPr lang="en-US" altLang="zh-CN">
               <a:solidFill>
@@ -31788,7 +31657,7 @@
                 </a:solidFill>
               </a:rPr>
               <a:pPr/>
-              <a:t>21</a:t>
+              <a:t>20</a:t>
             </a:fld>
             <a:endParaRPr lang="en-US" altLang="zh-CN">
               <a:solidFill>
@@ -31814,8 +31683,8 @@
         </p:nvSpPr>
         <p:spPr bwMode="auto">
           <a:xfrm>
-            <a:off x="8164517" y="4202694"/>
-            <a:ext cx="2954207" cy="369332"/>
+            <a:off x="7435271" y="1810479"/>
+            <a:ext cx="4405746" cy="369332"/>
           </a:xfrm>
           <a:prstGeom prst="rect">
             <a:avLst/>
@@ -31845,7 +31714,7 @@
           </a:extLst>
         </p:spPr>
         <p:txBody>
-          <a:bodyPr wrap="none">
+          <a:bodyPr wrap="square">
             <a:spAutoFit/>
           </a:bodyPr>
           <a:lstStyle>
@@ -31947,12 +31816,12 @@
             </a:lvl9pPr>
           </a:lstStyle>
           <a:p>
-            <a:pPr eaLnBrk="1" hangingPunct="1"/>
+            <a:pPr algn="ctr" eaLnBrk="1" hangingPunct="1"/>
             <a:r>
               <a:rPr lang="en-US" altLang="zh-CN" dirty="0">
                 <a:ea typeface="SimSun" panose="02010600030101010101" pitchFamily="2" charset="-122"/>
               </a:rPr>
-              <a:t>Table 4. Classification Results</a:t>
+              <a:t>Table 4. Fault Location Results</a:t>
             </a:r>
           </a:p>
         </p:txBody>
@@ -32475,7 +32344,7 @@
 </p:sld>
 </file>
 
-<file path=ppt/slides/slide22.xml><?xml version="1.0" encoding="utf-8"?>
+<file path=ppt/slides/slide21.xml><?xml version="1.0" encoding="utf-8"?>
 <p:sld xmlns:a="http://schemas.openxmlformats.org/drawingml/2006/main" xmlns:r="http://schemas.openxmlformats.org/officeDocument/2006/relationships" xmlns:p="http://schemas.openxmlformats.org/presentationml/2006/main">
   <p:cSld>
     <p:spTree>
@@ -32522,12 +32391,8 @@
               <a:buNone/>
             </a:pPr>
             <a:r>
-              <a:rPr lang="en-IN" altLang="en-US" dirty="0"/>
-              <a:t>The Power system fault diagnosis is addressed using deep neural networks .There are several parameters to consider for a particular power system. </a:t>
-            </a:r>
-            <a:r>
-              <a:rPr lang="en-IN" dirty="0"/>
-              <a:t>The partially recurrent neural network giving a satisfactory performance for the given data set. The classification network is classifying the faults accurately. The fault location identification network is also locating the faults with very less error.</a:t>
+              <a:rPr lang="en-US" altLang="en-US" dirty="0"/>
+              <a:t>The Power system fault diagnosis addressed using deep neural networks. The partially recurrent neural network, giving a satisfactory performance for the given data set. The classification network is classifying the faults accurately. The fault location identification network also locates the faults with very less error.</a:t>
             </a:r>
             <a:endParaRPr lang="en-IN" altLang="en-US" dirty="0"/>
           </a:p>
@@ -32679,7 +32544,7 @@
                 </a:solidFill>
               </a:rPr>
               <a:pPr/>
-              <a:t>4/16/2020</a:t>
+              <a:t>4/21/2020</a:t>
             </a:fld>
             <a:endParaRPr lang="en-US" altLang="zh-CN">
               <a:solidFill>
@@ -32835,7 +32700,7 @@
                 </a:solidFill>
               </a:rPr>
               <a:pPr/>
-              <a:t>22</a:t>
+              <a:t>21</a:t>
             </a:fld>
             <a:endParaRPr lang="en-US" altLang="zh-CN">
               <a:solidFill>
@@ -33014,7 +32879,7 @@
 </p:sld>
 </file>
 
-<file path=ppt/slides/slide23.xml><?xml version="1.0" encoding="utf-8"?>
+<file path=ppt/slides/slide22.xml><?xml version="1.0" encoding="utf-8"?>
 <p:sld xmlns:a="http://schemas.openxmlformats.org/drawingml/2006/main" xmlns:r="http://schemas.openxmlformats.org/officeDocument/2006/relationships" xmlns:p="http://schemas.openxmlformats.org/presentationml/2006/main">
   <p:cSld>
     <p:spTree>
@@ -33102,10 +32967,10 @@
               <a:buNone/>
             </a:pPr>
             <a:r>
-              <a:rPr lang="en-US" altLang="zh-CN">
+              <a:rPr lang="en-US" altLang="zh-CN" dirty="0">
                 <a:ea typeface="SimSun" panose="02010600030101010101" pitchFamily="2" charset="-122"/>
               </a:rPr>
-              <a:t>The future scope of this project is to study the effect of fault inception angle variation, the variation of high fault resistance.In real-time may be no chance of simple two bus system. We can study large systems with multiple buses in the network.</a:t>
+              <a:t>The future scope of this project is to study the effect of fault inception angle variation, the variation of high fault resistance. We can study large systems with multiple buses in the network.</a:t>
             </a:r>
           </a:p>
         </p:txBody>
@@ -33256,7 +33121,7 @@
                 </a:solidFill>
               </a:rPr>
               <a:pPr/>
-              <a:t>4/16/2020</a:t>
+              <a:t>4/21/2020</a:t>
             </a:fld>
             <a:endParaRPr lang="en-US" altLang="zh-CN">
               <a:solidFill>
@@ -33412,7 +33277,7 @@
                 </a:solidFill>
               </a:rPr>
               <a:pPr/>
-              <a:t>23</a:t>
+              <a:t>22</a:t>
             </a:fld>
             <a:endParaRPr lang="en-US" altLang="zh-CN">
               <a:solidFill>
@@ -33430,7 +33295,7 @@
 </p:sld>
 </file>
 
-<file path=ppt/slides/slide24.xml><?xml version="1.0" encoding="utf-8"?>
+<file path=ppt/slides/slide23.xml><?xml version="1.0" encoding="utf-8"?>
 <p:sld xmlns:a="http://schemas.openxmlformats.org/drawingml/2006/main" xmlns:r="http://schemas.openxmlformats.org/officeDocument/2006/relationships" xmlns:p="http://schemas.openxmlformats.org/presentationml/2006/main">
   <p:cSld>
     <p:spTree>
@@ -35045,7 +34910,7 @@
                 </a:solidFill>
               </a:rPr>
               <a:pPr/>
-              <a:t>4/16/2020</a:t>
+              <a:t>4/21/2020</a:t>
             </a:fld>
             <a:endParaRPr lang="en-US" altLang="zh-CN">
               <a:solidFill>
@@ -35201,7 +35066,7 @@
                 </a:solidFill>
               </a:rPr>
               <a:pPr/>
-              <a:t>24</a:t>
+              <a:t>23</a:t>
             </a:fld>
             <a:endParaRPr lang="en-US" altLang="zh-CN">
               <a:solidFill>
@@ -35219,7 +35084,7 @@
 </p:sld>
 </file>
 
-<file path=ppt/slides/slide25.xml><?xml version="1.0" encoding="utf-8"?>
+<file path=ppt/slides/slide24.xml><?xml version="1.0" encoding="utf-8"?>
 <p:sld xmlns:a="http://schemas.openxmlformats.org/drawingml/2006/main" xmlns:r="http://schemas.openxmlformats.org/officeDocument/2006/relationships" xmlns:p="http://schemas.openxmlformats.org/presentationml/2006/main">
   <p:cSld>
     <p:spTree>
@@ -36708,7 +36573,7 @@
               <a:pPr>
                 <a:defRPr/>
               </a:pPr>
-              <a:t>4/16/2020</a:t>
+              <a:t>4/21/2020</a:t>
             </a:fld>
             <a:endParaRPr lang="en-US" altLang="zh-CN" dirty="0"/>
           </a:p>
@@ -36743,7 +36608,7 @@
               <a:pPr>
                 <a:defRPr/>
               </a:pPr>
-              <a:t>25</a:t>
+              <a:t>24</a:t>
             </a:fld>
             <a:endParaRPr lang="en-US" altLang="zh-CN"/>
           </a:p>
@@ -36762,7 +36627,7 @@
 </p:sld>
 </file>
 
-<file path=ppt/slides/slide26.xml><?xml version="1.0" encoding="utf-8"?>
+<file path=ppt/slides/slide25.xml><?xml version="1.0" encoding="utf-8"?>
 <p:sld xmlns:a="http://schemas.openxmlformats.org/drawingml/2006/main" xmlns:r="http://schemas.openxmlformats.org/officeDocument/2006/relationships" xmlns:p="http://schemas.openxmlformats.org/presentationml/2006/main">
   <p:cSld>
     <p:spTree>
@@ -38191,7 +38056,7 @@
               <a:pPr>
                 <a:defRPr/>
               </a:pPr>
-              <a:t>4/16/2020</a:t>
+              <a:t>4/21/2020</a:t>
             </a:fld>
             <a:endParaRPr lang="en-US" altLang="zh-CN"/>
           </a:p>
@@ -38226,7 +38091,7 @@
               <a:pPr>
                 <a:defRPr/>
               </a:pPr>
-              <a:t>26</a:t>
+              <a:t>25</a:t>
             </a:fld>
             <a:endParaRPr lang="en-US" altLang="zh-CN"/>
           </a:p>
@@ -38245,7 +38110,7 @@
 </p:sld>
 </file>
 
-<file path=ppt/slides/slide27.xml><?xml version="1.0" encoding="utf-8"?>
+<file path=ppt/slides/slide26.xml><?xml version="1.0" encoding="utf-8"?>
 <p:sld xmlns:a="http://schemas.openxmlformats.org/drawingml/2006/main" xmlns:r="http://schemas.openxmlformats.org/officeDocument/2006/relationships" xmlns:p="http://schemas.openxmlformats.org/presentationml/2006/main">
   <p:cSld>
     <p:spTree>
@@ -38436,7 +38301,7 @@
                 </a:solidFill>
               </a:rPr>
               <a:pPr/>
-              <a:t>4/16/2020</a:t>
+              <a:t>4/21/2020</a:t>
             </a:fld>
             <a:endParaRPr lang="en-US" altLang="zh-CN">
               <a:solidFill>
@@ -38592,7 +38457,7 @@
                 </a:solidFill>
               </a:rPr>
               <a:pPr/>
-              <a:t>27</a:t>
+              <a:t>26</a:t>
             </a:fld>
             <a:endParaRPr lang="en-US" altLang="zh-CN">
               <a:solidFill>
@@ -38791,7 +38656,7 @@
                 <a:ea typeface="SimSun" panose="02010600030101010101" pitchFamily="2" charset="-122"/>
                 <a:cs typeface="Times New Roman" panose="02020603050405020304" pitchFamily="18" charset="0"/>
               </a:rPr>
-              <a:t>The main objective of our project is detection, classification and location identification of faults on transmission lines by using historical fault data with the help of deep neural networks.</a:t>
+              <a:t>The main objective of our project is detection, classification and location identification of faults on transmission lines using historical fault data with the help of deep neural networks.</a:t>
             </a:r>
             <a:endParaRPr lang="en-US" altLang="zh-CN" dirty="0">
               <a:ea typeface="SimSun" panose="02010600030101010101" pitchFamily="2" charset="-122"/>
@@ -38961,7 +38826,7 @@
                 </a:solidFill>
               </a:rPr>
               <a:pPr/>
-              <a:t>4/16/2020</a:t>
+              <a:t>4/21/2020</a:t>
             </a:fld>
             <a:endParaRPr lang="en-US" altLang="zh-CN">
               <a:solidFill>
@@ -39347,8 +39212,8 @@
               <a:buChar char="Ø"/>
             </a:pPr>
             <a:r>
-              <a:rPr lang="en-IN" altLang="en-US" sz="2600" dirty="0"/>
-              <a:t>From past few decades we are very much depending on the electric power.</a:t>
+              <a:rPr lang="en-US" altLang="en-US" sz="2600" dirty="0"/>
+              <a:t>From past few decades, we are very much depending on electric power.</a:t>
             </a:r>
           </a:p>
           <a:p>
@@ -39360,8 +39225,8 @@
               <a:buChar char="Ø"/>
             </a:pPr>
             <a:r>
-              <a:rPr lang="en-IN" altLang="en-US" sz="2600" dirty="0"/>
-              <a:t>Transmission lines are the bridge between generating stations to distribution stations. </a:t>
+              <a:rPr lang="en-US" altLang="en-US" sz="2600" dirty="0"/>
+              <a:t>Transmission lines are bridges between generating stations to distribution stations.</a:t>
             </a:r>
           </a:p>
           <a:p>
@@ -39373,8 +39238,8 @@
               <a:buChar char="Ø"/>
             </a:pPr>
             <a:r>
-              <a:rPr lang="en-IN" altLang="en-US" sz="2600" dirty="0"/>
-              <a:t>Faults in the transmission lines are common but the protection is necessary to protect the system.</a:t>
+              <a:rPr lang="en-US" altLang="en-US" sz="2600" dirty="0"/>
+              <a:t>Faults in the transmission lines are common, but the protection is necessary to protect the system.</a:t>
             </a:r>
           </a:p>
           <a:p>
@@ -39386,38 +39251,9 @@
               <a:buChar char="Ø"/>
             </a:pPr>
             <a:r>
-              <a:rPr lang="en-IN" altLang="en-US" sz="2600" dirty="0"/>
+              <a:rPr lang="en-US" altLang="en-US" sz="2600" dirty="0"/>
               <a:t>A fast and reliable protection scheme is required to protect the system and for reliable power supply.</a:t>
             </a:r>
-          </a:p>
-          <a:p>
-            <a:pPr algn="just" eaLnBrk="1" hangingPunct="1">
-              <a:lnSpc>
-                <a:spcPct val="150000"/>
-              </a:lnSpc>
-            </a:pPr>
-            <a:endParaRPr lang="en-IN" altLang="en-US" sz="2600" dirty="0"/>
-          </a:p>
-          <a:p>
-            <a:pPr marL="342900" indent="-342900" algn="just" eaLnBrk="1" hangingPunct="1">
-              <a:lnSpc>
-                <a:spcPct val="150000"/>
-              </a:lnSpc>
-              <a:buFont typeface="Wingdings" panose="05000000000000000000" pitchFamily="2" charset="2"/>
-              <a:buChar char="Ø"/>
-            </a:pPr>
-            <a:endParaRPr lang="en-US" altLang="zh-CN" sz="2600" dirty="0">
-              <a:ea typeface="SimSun" panose="02010600030101010101" pitchFamily="2" charset="-122"/>
-            </a:endParaRPr>
-          </a:p>
-          <a:p>
-            <a:pPr marL="342900" indent="-342900" algn="just" eaLnBrk="1" hangingPunct="1">
-              <a:lnSpc>
-                <a:spcPct val="150000"/>
-              </a:lnSpc>
-              <a:buFont typeface="Wingdings" panose="05000000000000000000" pitchFamily="2" charset="2"/>
-              <a:buChar char="Ø"/>
-            </a:pPr>
             <a:endParaRPr lang="en-IN" altLang="en-US" sz="2600" dirty="0"/>
           </a:p>
         </p:txBody>
@@ -39568,7 +39404,7 @@
                 </a:solidFill>
               </a:rPr>
               <a:pPr/>
-              <a:t>4/16/2020</a:t>
+              <a:t>4/21/2020</a:t>
             </a:fld>
             <a:endParaRPr lang="en-US" altLang="zh-CN">
               <a:solidFill>
@@ -39759,8 +39595,8 @@
           <a:chExt cx="0" cy="0"/>
         </a:xfrm>
       </p:grpSpPr>
-      <mc:AlternateContent xmlns:mc="http://schemas.openxmlformats.org/markup-compatibility/2006">
-        <mc:Choice xmlns:a14="http://schemas.microsoft.com/office/drawing/2010/main" Requires="a14">
+      <mc:AlternateContent xmlns:mc="http://schemas.openxmlformats.org/markup-compatibility/2006" xmlns:a14="http://schemas.microsoft.com/office/drawing/2010/main">
+        <mc:Choice Requires="a14">
           <p:sp>
             <p:nvSpPr>
               <p:cNvPr id="3" name="Content Placeholder 2"/>
@@ -40168,7 +40004,7 @@
             </p:txBody>
           </p:sp>
         </mc:Choice>
-        <mc:Fallback>
+        <mc:Fallback xmlns="">
           <p:sp>
             <p:nvSpPr>
               <p:cNvPr id="3" name="Content Placeholder 2"/>
@@ -40224,7 +40060,7 @@
             <a:fld id="{7E3FDB0B-B014-4C47-949F-40696701F18D}" type="datetime1">
               <a:rPr lang="en-US" smtClean="0"/>
               <a:pPr/>
-              <a:t>4/16/2020</a:t>
+              <a:t>4/21/2020</a:t>
             </a:fld>
             <a:endParaRPr lang="en-US"/>
           </a:p>
@@ -40438,7 +40274,7 @@
               <a:rPr lang="en-US" altLang="zh-CN" dirty="0">
                 <a:ea typeface="SimSun" panose="02010600030101010101" pitchFamily="2" charset="-122"/>
               </a:rPr>
-              <a:t>There are several methods for detection and classification, location identification of faults on the transmission lines.</a:t>
+              <a:t>There are several methods for detection, classification and location identification of faults on the transmission lines.</a:t>
             </a:r>
           </a:p>
           <a:p>
@@ -40635,7 +40471,7 @@
                 </a:solidFill>
               </a:rPr>
               <a:pPr/>
-              <a:t>4/16/2020</a:t>
+              <a:t>4/21/2020</a:t>
             </a:fld>
             <a:endParaRPr lang="en-US" altLang="zh-CN">
               <a:solidFill>
@@ -40968,7 +40804,7 @@
               <a:pPr>
                 <a:defRPr/>
               </a:pPr>
-              <a:t>4/16/2020</a:t>
+              <a:t>4/21/2020</a:t>
             </a:fld>
             <a:endParaRPr lang="en-US" altLang="zh-CN"/>
           </a:p>
@@ -41218,7 +41054,7 @@
               <a:pPr>
                 <a:defRPr/>
               </a:pPr>
-              <a:t>4/16/2020</a:t>
+              <a:t>4/21/2020</a:t>
             </a:fld>
             <a:endParaRPr lang="en-US" altLang="zh-CN"/>
           </a:p>
@@ -41408,7 +41244,7 @@
               <a:rPr lang="en-US" altLang="zh-CN" dirty="0">
                 <a:ea typeface="SimSun" panose="02010600030101010101" pitchFamily="2" charset="-122"/>
               </a:rPr>
-              <a:t>We are divided fault detection, classification and location identification into two problems</a:t>
+              <a:t>We have divided fault detection, classification and location identification into two problems</a:t>
             </a:r>
           </a:p>
           <a:p>
@@ -41442,7 +41278,7 @@
               <a:rPr lang="en-US" altLang="zh-CN" dirty="0">
                 <a:ea typeface="SimSun" panose="02010600030101010101" pitchFamily="2" charset="-122"/>
               </a:rPr>
-              <a:t>We had used two Partially Recurrent Neural networks (PRNN) for each problem.</a:t>
+              <a:t>We had used Partially Recurrent Neural networks (PRNN) for each problem.</a:t>
             </a:r>
           </a:p>
           <a:p>
@@ -41601,7 +41437,7 @@
                 </a:solidFill>
               </a:rPr>
               <a:pPr/>
-              <a:t>4/16/2020</a:t>
+              <a:t>4/21/2020</a:t>
             </a:fld>
             <a:endParaRPr lang="en-US" altLang="zh-CN">
               <a:solidFill>

--- a/Reviews/Final Review/Final Oral Presentation.pptx
+++ b/Reviews/Final Review/Final Oral Presentation.pptx
@@ -12787,7 +12787,7 @@
               <a:pPr>
                 <a:defRPr/>
               </a:pPr>
-              <a:t>21-04-2020</a:t>
+              <a:t>22-04-2020</a:t>
             </a:fld>
             <a:endParaRPr lang="en-IN" altLang="en-US"/>
           </a:p>
@@ -13354,7 +13354,7 @@
               <a:pPr>
                 <a:defRPr/>
               </a:pPr>
-              <a:t>4/21/2020</a:t>
+              <a:t>4/22/2020</a:t>
             </a:fld>
             <a:endParaRPr lang="en-US" altLang="zh-CN"/>
           </a:p>
@@ -13570,7 +13570,7 @@
               <a:pPr>
                 <a:defRPr/>
               </a:pPr>
-              <a:t>4/21/2020</a:t>
+              <a:t>4/22/2020</a:t>
             </a:fld>
             <a:endParaRPr lang="en-US" altLang="zh-CN"/>
           </a:p>
@@ -13796,7 +13796,7 @@
               <a:pPr>
                 <a:defRPr/>
               </a:pPr>
-              <a:t>4/21/2020</a:t>
+              <a:t>4/22/2020</a:t>
             </a:fld>
             <a:endParaRPr lang="en-US" altLang="zh-CN"/>
           </a:p>
@@ -14012,7 +14012,7 @@
               <a:pPr>
                 <a:defRPr/>
               </a:pPr>
-              <a:t>4/21/2020</a:t>
+              <a:t>4/22/2020</a:t>
             </a:fld>
             <a:endParaRPr lang="en-US" altLang="zh-CN"/>
           </a:p>
@@ -14305,7 +14305,7 @@
               <a:pPr>
                 <a:defRPr/>
               </a:pPr>
-              <a:t>4/21/2020</a:t>
+              <a:t>4/22/2020</a:t>
             </a:fld>
             <a:endParaRPr lang="en-US" altLang="zh-CN"/>
           </a:p>
@@ -14582,7 +14582,7 @@
               <a:pPr>
                 <a:defRPr/>
               </a:pPr>
-              <a:t>4/21/2020</a:t>
+              <a:t>4/22/2020</a:t>
             </a:fld>
             <a:endParaRPr lang="en-US" altLang="zh-CN"/>
           </a:p>
@@ -14994,7 +14994,7 @@
               <a:pPr>
                 <a:defRPr/>
               </a:pPr>
-              <a:t>4/21/2020</a:t>
+              <a:t>4/22/2020</a:t>
             </a:fld>
             <a:endParaRPr lang="en-US" altLang="zh-CN"/>
           </a:p>
@@ -15159,7 +15159,7 @@
               <a:pPr>
                 <a:defRPr/>
               </a:pPr>
-              <a:t>4/21/2020</a:t>
+              <a:t>4/22/2020</a:t>
             </a:fld>
             <a:endParaRPr lang="en-US" altLang="zh-CN"/>
           </a:p>
@@ -15302,7 +15302,7 @@
               <a:pPr>
                 <a:defRPr/>
               </a:pPr>
-              <a:t>4/21/2020</a:t>
+              <a:t>4/22/2020</a:t>
             </a:fld>
             <a:endParaRPr lang="en-US" altLang="zh-CN"/>
           </a:p>
@@ -15625,7 +15625,7 @@
               <a:pPr>
                 <a:defRPr/>
               </a:pPr>
-              <a:t>4/21/2020</a:t>
+              <a:t>4/22/2020</a:t>
             </a:fld>
             <a:endParaRPr lang="en-US" altLang="zh-CN"/>
           </a:p>
@@ -15929,7 +15929,7 @@
               <a:pPr>
                 <a:defRPr/>
               </a:pPr>
-              <a:t>4/21/2020</a:t>
+              <a:t>4/22/2020</a:t>
             </a:fld>
             <a:endParaRPr lang="en-US" altLang="zh-CN"/>
           </a:p>
@@ -16253,7 +16253,7 @@
               <a:pPr>
                 <a:defRPr/>
               </a:pPr>
-              <a:t>4/21/2020</a:t>
+              <a:t>4/22/2020</a:t>
             </a:fld>
             <a:endParaRPr lang="en-US" altLang="zh-CN"/>
           </a:p>
@@ -17521,7 +17521,7 @@
                 </a:solidFill>
               </a:rPr>
               <a:pPr/>
-              <a:t>4/21/2020</a:t>
+              <a:t>4/22/2020</a:t>
             </a:fld>
             <a:endParaRPr lang="en-US" altLang="zh-CN">
               <a:solidFill>
@@ -18572,7 +18572,7 @@
                 </a:solidFill>
               </a:rPr>
               <a:pPr/>
-              <a:t>4/21/2020</a:t>
+              <a:t>4/22/2020</a:t>
             </a:fld>
             <a:endParaRPr lang="en-US" altLang="zh-CN">
               <a:solidFill>
@@ -18899,7 +18899,7 @@
               <a:pPr>
                 <a:defRPr/>
               </a:pPr>
-              <a:t>4/21/2020</a:t>
+              <a:t>4/22/2020</a:t>
             </a:fld>
             <a:endParaRPr lang="en-US" altLang="zh-CN"/>
           </a:p>
@@ -19077,7 +19077,7 @@
               <a:pPr>
                 <a:defRPr/>
               </a:pPr>
-              <a:t>4/21/2020</a:t>
+              <a:t>4/22/2020</a:t>
             </a:fld>
             <a:endParaRPr lang="en-US" altLang="zh-CN"/>
           </a:p>
@@ -19614,7 +19614,7 @@
               <a:pPr>
                 <a:defRPr/>
               </a:pPr>
-              <a:t>4/21/2020</a:t>
+              <a:t>4/22/2020</a:t>
             </a:fld>
             <a:endParaRPr lang="en-US" altLang="zh-CN"/>
           </a:p>
@@ -20182,7 +20182,7 @@
               <a:pPr>
                 <a:defRPr/>
               </a:pPr>
-              <a:t>4/21/2020</a:t>
+              <a:t>4/22/2020</a:t>
             </a:fld>
             <a:endParaRPr lang="en-US" altLang="zh-CN"/>
           </a:p>
@@ -21308,7 +21308,7 @@
               <a:pPr>
                 <a:defRPr/>
               </a:pPr>
-              <a:t>4/21/2020</a:t>
+              <a:t>4/22/2020</a:t>
             </a:fld>
             <a:endParaRPr lang="en-US" altLang="zh-CN"/>
           </a:p>
@@ -21568,7 +21568,7 @@
                 </a:solidFill>
               </a:rPr>
               <a:pPr/>
-              <a:t>4/21/2020</a:t>
+              <a:t>4/22/2020</a:t>
             </a:fld>
             <a:endParaRPr lang="en-US" altLang="zh-CN">
               <a:solidFill>
@@ -22843,7 +22843,7 @@
                 </a:solidFill>
               </a:rPr>
               <a:pPr/>
-              <a:t>4/21/2020</a:t>
+              <a:t>4/22/2020</a:t>
             </a:fld>
             <a:endParaRPr lang="en-US" altLang="zh-CN">
               <a:solidFill>
@@ -24123,7 +24123,7 @@
                 </a:solidFill>
               </a:rPr>
               <a:pPr/>
-              <a:t>4/21/2020</a:t>
+              <a:t>4/22/2020</a:t>
             </a:fld>
             <a:endParaRPr lang="en-US" altLang="zh-CN">
               <a:solidFill>
@@ -28870,7 +28870,7 @@
                 </a:solidFill>
               </a:rPr>
               <a:pPr/>
-              <a:t>4/21/2020</a:t>
+              <a:t>4/22/2020</a:t>
             </a:fld>
             <a:endParaRPr lang="en-US" altLang="zh-CN">
               <a:solidFill>
@@ -30995,7 +30995,7 @@
                 </a:solidFill>
               </a:rPr>
               <a:pPr/>
-              <a:t>4/21/2020</a:t>
+              <a:t>4/22/2020</a:t>
             </a:fld>
             <a:endParaRPr lang="en-US" altLang="zh-CN">
               <a:solidFill>
@@ -31501,7 +31501,7 @@
                 </a:solidFill>
               </a:rPr>
               <a:pPr/>
-              <a:t>4/21/2020</a:t>
+              <a:t>4/22/2020</a:t>
             </a:fld>
             <a:endParaRPr lang="en-US" altLang="zh-CN">
               <a:solidFill>
@@ -32544,7 +32544,7 @@
                 </a:solidFill>
               </a:rPr>
               <a:pPr/>
-              <a:t>4/21/2020</a:t>
+              <a:t>4/22/2020</a:t>
             </a:fld>
             <a:endParaRPr lang="en-US" altLang="zh-CN">
               <a:solidFill>
@@ -33121,7 +33121,7 @@
                 </a:solidFill>
               </a:rPr>
               <a:pPr/>
-              <a:t>4/21/2020</a:t>
+              <a:t>4/22/2020</a:t>
             </a:fld>
             <a:endParaRPr lang="en-US" altLang="zh-CN">
               <a:solidFill>
@@ -34910,7 +34910,7 @@
                 </a:solidFill>
               </a:rPr>
               <a:pPr/>
-              <a:t>4/21/2020</a:t>
+              <a:t>4/22/2020</a:t>
             </a:fld>
             <a:endParaRPr lang="en-US" altLang="zh-CN">
               <a:solidFill>
@@ -36573,7 +36573,7 @@
               <a:pPr>
                 <a:defRPr/>
               </a:pPr>
-              <a:t>4/21/2020</a:t>
+              <a:t>4/22/2020</a:t>
             </a:fld>
             <a:endParaRPr lang="en-US" altLang="zh-CN" dirty="0"/>
           </a:p>
@@ -38056,7 +38056,7 @@
               <a:pPr>
                 <a:defRPr/>
               </a:pPr>
-              <a:t>4/21/2020</a:t>
+              <a:t>4/22/2020</a:t>
             </a:fld>
             <a:endParaRPr lang="en-US" altLang="zh-CN"/>
           </a:p>
@@ -38301,7 +38301,7 @@
                 </a:solidFill>
               </a:rPr>
               <a:pPr/>
-              <a:t>4/21/2020</a:t>
+              <a:t>4/22/2020</a:t>
             </a:fld>
             <a:endParaRPr lang="en-US" altLang="zh-CN">
               <a:solidFill>
@@ -38826,7 +38826,7 @@
                 </a:solidFill>
               </a:rPr>
               <a:pPr/>
-              <a:t>4/21/2020</a:t>
+              <a:t>4/22/2020</a:t>
             </a:fld>
             <a:endParaRPr lang="en-US" altLang="zh-CN">
               <a:solidFill>
@@ -39404,7 +39404,7 @@
                 </a:solidFill>
               </a:rPr>
               <a:pPr/>
-              <a:t>4/21/2020</a:t>
+              <a:t>4/22/2020</a:t>
             </a:fld>
             <a:endParaRPr lang="en-US" altLang="zh-CN">
               <a:solidFill>
@@ -40060,7 +40060,7 @@
             <a:fld id="{7E3FDB0B-B014-4C47-949F-40696701F18D}" type="datetime1">
               <a:rPr lang="en-US" smtClean="0"/>
               <a:pPr/>
-              <a:t>4/21/2020</a:t>
+              <a:t>4/22/2020</a:t>
             </a:fld>
             <a:endParaRPr lang="en-US"/>
           </a:p>
@@ -40471,7 +40471,7 @@
                 </a:solidFill>
               </a:rPr>
               <a:pPr/>
-              <a:t>4/21/2020</a:t>
+              <a:t>4/22/2020</a:t>
             </a:fld>
             <a:endParaRPr lang="en-US" altLang="zh-CN">
               <a:solidFill>
@@ -40804,7 +40804,7 @@
               <a:pPr>
                 <a:defRPr/>
               </a:pPr>
-              <a:t>4/21/2020</a:t>
+              <a:t>4/22/2020</a:t>
             </a:fld>
             <a:endParaRPr lang="en-US" altLang="zh-CN"/>
           </a:p>
@@ -41054,7 +41054,7 @@
               <a:pPr>
                 <a:defRPr/>
               </a:pPr>
-              <a:t>4/21/2020</a:t>
+              <a:t>4/22/2020</a:t>
             </a:fld>
             <a:endParaRPr lang="en-US" altLang="zh-CN"/>
           </a:p>
@@ -41437,7 +41437,7 @@
                 </a:solidFill>
               </a:rPr>
               <a:pPr/>
-              <a:t>4/21/2020</a:t>
+              <a:t>4/22/2020</a:t>
             </a:fld>
             <a:endParaRPr lang="en-US" altLang="zh-CN">
               <a:solidFill>
